--- a/tjenestebeskrivelse/betal-fra-nettbank-datautveksling.pptx
+++ b/tjenestebeskrivelse/betal-fra-nettbank-datautveksling.pptx
@@ -7403,8 +7403,13 @@
                   <a:schemeClr val="tx2"/>
                 </a:solidFill>
               </a:rPr>
-              <a:t>Vaske kunderegister</a:t>
-            </a:r>
+              <a:t>Tilby kunde Digipost-faktura</a:t>
+            </a:r>
+            <a:endParaRPr lang="nb-NO" sz="1000" dirty="0" smtClean="0">
+              <a:solidFill>
+                <a:schemeClr val="tx2"/>
+              </a:solidFill>
+            </a:endParaRPr>
           </a:p>
         </p:txBody>
       </p:sp>
@@ -7455,8 +7460,8 @@
         </p:nvSpPr>
         <p:spPr>
           <a:xfrm>
-            <a:off x="1386667" y="1489094"/>
-            <a:ext cx="1284232" cy="492369"/>
+            <a:off x="1292518" y="1489096"/>
+            <a:ext cx="1408525" cy="492369"/>
           </a:xfrm>
           <a:prstGeom prst="rect">
             <a:avLst/>
@@ -7491,23 +7496,23 @@
                   <a:schemeClr val="tx2"/>
                 </a:solidFill>
               </a:rPr>
-              <a:t>1) </a:t>
-            </a:r>
-            <a:r>
-              <a:rPr lang="nb-NO" sz="1000" b="1" dirty="0" err="1" smtClean="0">
+              <a:t>1</a:t>
+            </a:r>
+            <a:r>
+              <a:rPr lang="nb-NO" sz="1000" b="1" smtClean="0">
                 <a:solidFill>
                   <a:schemeClr val="tx2"/>
                 </a:solidFill>
               </a:rPr>
-              <a:t>Initiell</a:t>
-            </a:r>
-            <a:r>
-              <a:rPr lang="nb-NO" sz="1000" b="1" dirty="0" smtClean="0">
+              <a:t>) </a:t>
+            </a:r>
+            <a:r>
+              <a:rPr lang="nb-NO" sz="1000" b="1" smtClean="0">
                 <a:solidFill>
                   <a:schemeClr val="tx2"/>
                 </a:solidFill>
               </a:rPr>
-              <a:t> vask</a:t>
+              <a:t>Identifisering</a:t>
             </a:r>
             <a:endParaRPr lang="nb-NO" sz="1000" b="1" i="1" dirty="0" smtClean="0">
               <a:solidFill>

--- a/tjenestebeskrivelse/betal-fra-nettbank-datautveksling.pptx
+++ b/tjenestebeskrivelse/betal-fra-nettbank-datautveksling.pptx
@@ -6285,13 +6285,13 @@
       </p:grpSpPr>
       <p:sp>
         <p:nvSpPr>
-          <p:cNvPr id="4" name="Rectangle 3"/>
+          <p:cNvPr id="104" name="Rectangle 103"/>
           <p:cNvSpPr/>
           <p:nvPr/>
         </p:nvSpPr>
         <p:spPr>
           <a:xfrm>
-            <a:off x="3157230" y="2078267"/>
+            <a:off x="3710125" y="2078267"/>
             <a:ext cx="1072661" cy="492369"/>
           </a:xfrm>
           <a:prstGeom prst="rect">
@@ -6330,13 +6330,13 @@
       </p:sp>
       <p:sp>
         <p:nvSpPr>
-          <p:cNvPr id="7" name="Rectangle 6"/>
+          <p:cNvPr id="105" name="Rectangle 104"/>
           <p:cNvSpPr/>
           <p:nvPr/>
         </p:nvSpPr>
         <p:spPr>
           <a:xfrm>
-            <a:off x="3157230" y="3471359"/>
+            <a:off x="3710125" y="3471359"/>
             <a:ext cx="1072661" cy="492369"/>
           </a:xfrm>
           <a:prstGeom prst="rect">
@@ -6375,13 +6375,13 @@
       </p:sp>
       <p:sp>
         <p:nvSpPr>
-          <p:cNvPr id="10" name="Rectangle 9"/>
+          <p:cNvPr id="106" name="Rectangle 105"/>
           <p:cNvSpPr/>
           <p:nvPr/>
         </p:nvSpPr>
         <p:spPr>
           <a:xfrm>
-            <a:off x="6712187" y="2078267"/>
+            <a:off x="7211919" y="2078267"/>
             <a:ext cx="1072661" cy="492369"/>
           </a:xfrm>
           <a:prstGeom prst="rect">
@@ -6420,13 +6420,13 @@
       </p:sp>
       <p:sp>
         <p:nvSpPr>
-          <p:cNvPr id="12" name="Rectangle 11"/>
+          <p:cNvPr id="107" name="Rectangle 106"/>
           <p:cNvSpPr/>
           <p:nvPr/>
         </p:nvSpPr>
         <p:spPr>
           <a:xfrm>
-            <a:off x="6712186" y="3471359"/>
+            <a:off x="7211918" y="3471359"/>
             <a:ext cx="1072661" cy="492369"/>
           </a:xfrm>
           <a:prstGeom prst="rect">
@@ -6465,13 +6465,13 @@
       </p:sp>
       <p:sp>
         <p:nvSpPr>
-          <p:cNvPr id="14" name="Rectangle 13"/>
+          <p:cNvPr id="108" name="Rectangle 107"/>
           <p:cNvSpPr/>
           <p:nvPr/>
         </p:nvSpPr>
         <p:spPr>
           <a:xfrm>
-            <a:off x="8337991" y="3471359"/>
+            <a:off x="8837723" y="3471359"/>
             <a:ext cx="1072661" cy="492369"/>
           </a:xfrm>
           <a:prstGeom prst="rect">
@@ -6510,13 +6510,13 @@
       </p:sp>
       <p:sp>
         <p:nvSpPr>
-          <p:cNvPr id="16" name="Rectangle 15"/>
+          <p:cNvPr id="109" name="Rectangle 108"/>
           <p:cNvSpPr/>
           <p:nvPr/>
         </p:nvSpPr>
         <p:spPr>
           <a:xfrm>
-            <a:off x="8337991" y="2078267"/>
+            <a:off x="8837723" y="2078267"/>
             <a:ext cx="1072661" cy="492369"/>
           </a:xfrm>
           <a:prstGeom prst="rect">
@@ -6555,13 +6555,13 @@
       </p:sp>
       <p:sp>
         <p:nvSpPr>
-          <p:cNvPr id="25" name="Rectangle 24"/>
+          <p:cNvPr id="110" name="Rectangle 109"/>
           <p:cNvSpPr/>
           <p:nvPr/>
         </p:nvSpPr>
         <p:spPr>
           <a:xfrm>
-            <a:off x="315823" y="2102072"/>
+            <a:off x="868718" y="2102072"/>
             <a:ext cx="1072661" cy="492369"/>
           </a:xfrm>
           <a:prstGeom prst="rect">
@@ -6603,13 +6603,13 @@
       </p:sp>
       <p:sp>
         <p:nvSpPr>
-          <p:cNvPr id="26" name="Rectangle 25"/>
+          <p:cNvPr id="111" name="Rectangle 110"/>
           <p:cNvSpPr/>
           <p:nvPr/>
         </p:nvSpPr>
         <p:spPr>
           <a:xfrm>
-            <a:off x="292963" y="3495164"/>
+            <a:off x="845858" y="3495164"/>
             <a:ext cx="1072661" cy="492369"/>
           </a:xfrm>
           <a:prstGeom prst="rect">
@@ -6656,15 +6656,15 @@
       </p:sp>
       <p:cxnSp>
         <p:nvCxnSpPr>
-          <p:cNvPr id="36" name="Straight Arrow Connector 35"/>
+          <p:cNvPr id="112" name="Straight Arrow Connector 111"/>
           <p:cNvCxnSpPr>
-            <a:stCxn id="12" idx="3"/>
+            <a:stCxn id="114" idx="3"/>
           </p:cNvCxnSpPr>
           <p:nvPr/>
         </p:nvCxnSpPr>
         <p:spPr>
           <a:xfrm>
-            <a:off x="7784847" y="3717544"/>
+            <a:off x="8284579" y="3717544"/>
             <a:ext cx="553144" cy="0"/>
           </a:xfrm>
           <a:prstGeom prst="straightConnector1">
@@ -6691,16 +6691,15 @@
       </p:cxnSp>
       <p:cxnSp>
         <p:nvCxnSpPr>
-          <p:cNvPr id="39" name="Straight Arrow Connector 38"/>
+          <p:cNvPr id="113" name="Straight Arrow Connector 112"/>
           <p:cNvCxnSpPr>
-            <a:stCxn id="14" idx="0"/>
-            <a:endCxn id="16" idx="2"/>
+            <a:endCxn id="118" idx="2"/>
           </p:cNvCxnSpPr>
           <p:nvPr/>
         </p:nvCxnSpPr>
         <p:spPr>
           <a:xfrm flipV="1">
-            <a:off x="8874322" y="2570636"/>
+            <a:off x="9374054" y="2570636"/>
             <a:ext cx="0" cy="900723"/>
           </a:xfrm>
           <a:prstGeom prst="straightConnector1">
@@ -6727,13 +6726,13 @@
       </p:cxnSp>
       <p:cxnSp>
         <p:nvCxnSpPr>
-          <p:cNvPr id="43" name="Straight Connector 42"/>
+          <p:cNvPr id="114" name="Straight Connector 113"/>
           <p:cNvCxnSpPr/>
           <p:nvPr/>
         </p:nvCxnSpPr>
         <p:spPr>
           <a:xfrm>
-            <a:off x="4862936" y="1608866"/>
+            <a:off x="5362668" y="1608866"/>
             <a:ext cx="0" cy="2739614"/>
           </a:xfrm>
           <a:prstGeom prst="line">
@@ -6766,13 +6765,13 @@
       </p:cxnSp>
       <p:cxnSp>
         <p:nvCxnSpPr>
-          <p:cNvPr id="44" name="Straight Connector 43"/>
+          <p:cNvPr id="115" name="Straight Connector 114"/>
           <p:cNvCxnSpPr/>
           <p:nvPr/>
         </p:nvCxnSpPr>
         <p:spPr>
           <a:xfrm>
-            <a:off x="6536600" y="1608866"/>
+            <a:off x="7036332" y="1608866"/>
             <a:ext cx="0" cy="2739614"/>
           </a:xfrm>
           <a:prstGeom prst="line">
@@ -6805,13 +6804,13 @@
       </p:cxnSp>
       <p:sp>
         <p:nvSpPr>
-          <p:cNvPr id="48" name="Rectangle 47"/>
+          <p:cNvPr id="116" name="Rectangle 115"/>
           <p:cNvSpPr/>
           <p:nvPr/>
         </p:nvSpPr>
         <p:spPr>
           <a:xfrm>
-            <a:off x="2899769" y="1489096"/>
+            <a:off x="3452664" y="1489096"/>
             <a:ext cx="1585618" cy="492369"/>
           </a:xfrm>
           <a:prstGeom prst="rect">
@@ -6852,26 +6851,565 @@
           </a:p>
         </p:txBody>
       </p:sp>
+      <p:sp>
+        <p:nvSpPr>
+          <p:cNvPr id="118" name="Rectangle 117"/>
+          <p:cNvSpPr/>
+          <p:nvPr/>
+        </p:nvSpPr>
+        <p:spPr>
+          <a:xfrm>
+            <a:off x="6856027" y="1465292"/>
+            <a:ext cx="3399692" cy="492369"/>
+          </a:xfrm>
+          <a:prstGeom prst="rect">
+            <a:avLst/>
+          </a:prstGeom>
+          <a:noFill/>
+          <a:ln>
+            <a:noFill/>
+          </a:ln>
+        </p:spPr>
+        <p:style>
+          <a:lnRef idx="2">
+            <a:schemeClr val="accent4"/>
+          </a:lnRef>
+          <a:fillRef idx="1">
+            <a:schemeClr val="lt1"/>
+          </a:fillRef>
+          <a:effectRef idx="0">
+            <a:schemeClr val="accent4"/>
+          </a:effectRef>
+          <a:fontRef idx="minor">
+            <a:schemeClr val="dk1"/>
+          </a:fontRef>
+        </p:style>
+        <p:txBody>
+          <a:bodyPr rtlCol="0" anchor="ctr"/>
+          <a:lstStyle/>
+          <a:p>
+            <a:pPr algn="ctr"/>
+            <a:r>
+              <a:rPr lang="nb-NO" sz="1000" b="1" dirty="0" smtClean="0">
+                <a:solidFill>
+                  <a:schemeClr val="tx2"/>
+                </a:solidFill>
+              </a:rPr>
+              <a:t>4) </a:t>
+            </a:r>
+            <a:r>
+              <a:rPr lang="nb-NO" sz="1000" b="1" dirty="0" smtClean="0">
+                <a:solidFill>
+                  <a:schemeClr val="tx2"/>
+                </a:solidFill>
+              </a:rPr>
+              <a:t>Behandle </a:t>
+            </a:r>
+            <a:r>
+              <a:rPr lang="nb-NO" sz="1000" b="1" dirty="0" smtClean="0">
+                <a:solidFill>
+                  <a:schemeClr val="tx2"/>
+                </a:solidFill>
+              </a:rPr>
+              <a:t>faktura</a:t>
+            </a:r>
+            <a:endParaRPr lang="nb-NO" sz="1000" b="1" dirty="0" smtClean="0">
+              <a:solidFill>
+                <a:schemeClr val="tx2"/>
+              </a:solidFill>
+            </a:endParaRPr>
+          </a:p>
+        </p:txBody>
+      </p:sp>
+      <p:sp>
+        <p:nvSpPr>
+          <p:cNvPr id="119" name="Rectangle 118"/>
+          <p:cNvSpPr/>
+          <p:nvPr/>
+        </p:nvSpPr>
+        <p:spPr>
+          <a:xfrm>
+            <a:off x="4246455" y="2594441"/>
+            <a:ext cx="1169376" cy="900722"/>
+          </a:xfrm>
+          <a:prstGeom prst="rect">
+            <a:avLst/>
+          </a:prstGeom>
+          <a:noFill/>
+          <a:ln>
+            <a:noFill/>
+          </a:ln>
+        </p:spPr>
+        <p:style>
+          <a:lnRef idx="2">
+            <a:schemeClr val="accent4"/>
+          </a:lnRef>
+          <a:fillRef idx="1">
+            <a:schemeClr val="lt1"/>
+          </a:fillRef>
+          <a:effectRef idx="0">
+            <a:schemeClr val="accent4"/>
+          </a:effectRef>
+          <a:fontRef idx="minor">
+            <a:schemeClr val="dk1"/>
+          </a:fontRef>
+        </p:style>
+        <p:txBody>
+          <a:bodyPr rtlCol="0" anchor="ctr"/>
+          <a:lstStyle/>
+          <a:p>
+            <a:r>
+              <a:rPr lang="nb-NO" sz="800" dirty="0" smtClean="0">
+                <a:solidFill>
+                  <a:schemeClr val="tx2"/>
+                </a:solidFill>
+              </a:rPr>
+              <a:t>- FNR</a:t>
+            </a:r>
+          </a:p>
+          <a:p>
+            <a:r>
+              <a:rPr lang="nb-NO" sz="800" dirty="0" smtClean="0">
+                <a:solidFill>
+                  <a:schemeClr val="tx2"/>
+                </a:solidFill>
+              </a:rPr>
+              <a:t>- </a:t>
+            </a:r>
+            <a:r>
+              <a:rPr lang="nb-NO" sz="800" dirty="0" err="1" smtClean="0">
+                <a:solidFill>
+                  <a:schemeClr val="tx2"/>
+                </a:solidFill>
+              </a:rPr>
+              <a:t>Avtalestatus</a:t>
+            </a:r>
+            <a:endParaRPr lang="nb-NO" sz="800" dirty="0" smtClean="0">
+              <a:solidFill>
+                <a:schemeClr val="tx2"/>
+              </a:solidFill>
+            </a:endParaRPr>
+          </a:p>
+        </p:txBody>
+      </p:sp>
+      <p:sp>
+        <p:nvSpPr>
+          <p:cNvPr id="120" name="Rectangle 119"/>
+          <p:cNvSpPr/>
+          <p:nvPr/>
+        </p:nvSpPr>
+        <p:spPr>
+          <a:xfrm>
+            <a:off x="9352791" y="2570636"/>
+            <a:ext cx="1169376" cy="900722"/>
+          </a:xfrm>
+          <a:prstGeom prst="rect">
+            <a:avLst/>
+          </a:prstGeom>
+          <a:noFill/>
+          <a:ln>
+            <a:noFill/>
+          </a:ln>
+        </p:spPr>
+        <p:style>
+          <a:lnRef idx="2">
+            <a:schemeClr val="accent4"/>
+          </a:lnRef>
+          <a:fillRef idx="1">
+            <a:schemeClr val="lt1"/>
+          </a:fillRef>
+          <a:effectRef idx="0">
+            <a:schemeClr val="accent4"/>
+          </a:effectRef>
+          <a:fontRef idx="minor">
+            <a:schemeClr val="dk1"/>
+          </a:fontRef>
+        </p:style>
+        <p:txBody>
+          <a:bodyPr rtlCol="0" anchor="ctr"/>
+          <a:lstStyle/>
+          <a:p>
+            <a:r>
+              <a:rPr lang="nb-NO" sz="800" dirty="0" smtClean="0">
+                <a:solidFill>
+                  <a:schemeClr val="tx2"/>
+                </a:solidFill>
+              </a:rPr>
+              <a:t>- Faktura-ID</a:t>
+            </a:r>
+          </a:p>
+          <a:p>
+            <a:r>
+              <a:rPr lang="nb-NO" sz="800" dirty="0" smtClean="0">
+                <a:solidFill>
+                  <a:schemeClr val="tx2"/>
+                </a:solidFill>
+              </a:rPr>
+              <a:t>- Behandlings-</a:t>
+            </a:r>
+            <a:br>
+              <a:rPr lang="nb-NO" sz="800" dirty="0" smtClean="0">
+                <a:solidFill>
+                  <a:schemeClr val="tx2"/>
+                </a:solidFill>
+              </a:rPr>
+            </a:br>
+            <a:r>
+              <a:rPr lang="nb-NO" sz="800" dirty="0" smtClean="0">
+                <a:solidFill>
+                  <a:schemeClr val="tx2"/>
+                </a:solidFill>
+              </a:rPr>
+              <a:t>  status</a:t>
+            </a:r>
+          </a:p>
+        </p:txBody>
+      </p:sp>
+      <p:sp>
+        <p:nvSpPr>
+          <p:cNvPr id="121" name="Rectangle 120"/>
+          <p:cNvSpPr/>
+          <p:nvPr/>
+        </p:nvSpPr>
+        <p:spPr>
+          <a:xfrm>
+            <a:off x="10454953" y="8877"/>
+            <a:ext cx="1737047" cy="1367161"/>
+          </a:xfrm>
+          <a:prstGeom prst="rect">
+            <a:avLst/>
+          </a:prstGeom>
+          <a:ln>
+            <a:noFill/>
+          </a:ln>
+        </p:spPr>
+        <p:style>
+          <a:lnRef idx="2">
+            <a:schemeClr val="accent4"/>
+          </a:lnRef>
+          <a:fillRef idx="1">
+            <a:schemeClr val="lt1"/>
+          </a:fillRef>
+          <a:effectRef idx="0">
+            <a:schemeClr val="accent4"/>
+          </a:effectRef>
+          <a:fontRef idx="minor">
+            <a:schemeClr val="dk1"/>
+          </a:fontRef>
+        </p:style>
+        <p:txBody>
+          <a:bodyPr rtlCol="0" anchor="t"/>
+          <a:lstStyle/>
+          <a:p>
+            <a:r>
+              <a:rPr lang="nb-NO" sz="900" dirty="0" smtClean="0">
+                <a:solidFill>
+                  <a:schemeClr val="accent5"/>
+                </a:solidFill>
+              </a:rPr>
+              <a:t>FNR = fødselsnummer</a:t>
+            </a:r>
+          </a:p>
+          <a:p>
+            <a:endParaRPr lang="nb-NO" sz="900" dirty="0" smtClean="0">
+              <a:solidFill>
+                <a:schemeClr val="accent5"/>
+              </a:solidFill>
+            </a:endParaRPr>
+          </a:p>
+          <a:p>
+            <a:r>
+              <a:rPr lang="nb-NO" sz="900" dirty="0" smtClean="0">
+                <a:solidFill>
+                  <a:schemeClr val="accent5"/>
+                </a:solidFill>
+              </a:rPr>
+              <a:t>Metadata = </a:t>
+            </a:r>
+          </a:p>
+          <a:p>
+            <a:pPr marL="358775" lvl="1" indent="-171450">
+              <a:buFontTx/>
+              <a:buChar char="-"/>
+            </a:pPr>
+            <a:r>
+              <a:rPr lang="nb-NO" sz="900" dirty="0" smtClean="0">
+                <a:solidFill>
+                  <a:schemeClr val="accent5"/>
+                </a:solidFill>
+              </a:rPr>
+              <a:t>KID</a:t>
+            </a:r>
+          </a:p>
+          <a:p>
+            <a:pPr marL="358775" lvl="1" indent="-171450">
+              <a:buFontTx/>
+              <a:buChar char="-"/>
+            </a:pPr>
+            <a:r>
+              <a:rPr lang="nb-NO" sz="900" dirty="0" smtClean="0">
+                <a:solidFill>
+                  <a:schemeClr val="accent5"/>
+                </a:solidFill>
+              </a:rPr>
+              <a:t>Kontonummer</a:t>
+            </a:r>
+          </a:p>
+          <a:p>
+            <a:pPr marL="358775" lvl="1" indent="-171450">
+              <a:buFontTx/>
+              <a:buChar char="-"/>
+            </a:pPr>
+            <a:r>
+              <a:rPr lang="nb-NO" sz="900" dirty="0" smtClean="0">
+                <a:solidFill>
+                  <a:schemeClr val="accent5"/>
+                </a:solidFill>
+              </a:rPr>
+              <a:t>Beløp</a:t>
+            </a:r>
+          </a:p>
+          <a:p>
+            <a:pPr marL="358775" lvl="1" indent="-171450">
+              <a:buFontTx/>
+              <a:buChar char="-"/>
+            </a:pPr>
+            <a:r>
+              <a:rPr lang="nb-NO" sz="900" dirty="0" smtClean="0">
+                <a:solidFill>
+                  <a:schemeClr val="accent5"/>
+                </a:solidFill>
+              </a:rPr>
+              <a:t>Forfallsdato</a:t>
+            </a:r>
+          </a:p>
+          <a:p>
+            <a:pPr marL="358775" lvl="1" indent="-171450">
+              <a:buFontTx/>
+              <a:buChar char="-"/>
+            </a:pPr>
+            <a:r>
+              <a:rPr lang="nb-NO" sz="900" dirty="0" smtClean="0">
+                <a:solidFill>
+                  <a:schemeClr val="accent5"/>
+                </a:solidFill>
+              </a:rPr>
+              <a:t>Utsteder</a:t>
+            </a:r>
+          </a:p>
+          <a:p>
+            <a:pPr marL="358775" lvl="1" indent="-171450">
+              <a:buFontTx/>
+              <a:buChar char="-"/>
+            </a:pPr>
+            <a:r>
+              <a:rPr lang="nb-NO" sz="900" dirty="0" smtClean="0">
+                <a:solidFill>
+                  <a:schemeClr val="accent5"/>
+                </a:solidFill>
+              </a:rPr>
+              <a:t>URL til fakturabilag</a:t>
+            </a:r>
+          </a:p>
+        </p:txBody>
+      </p:sp>
+      <p:sp>
+        <p:nvSpPr>
+          <p:cNvPr id="122" name="Rectangle 121"/>
+          <p:cNvSpPr/>
+          <p:nvPr/>
+        </p:nvSpPr>
+        <p:spPr>
+          <a:xfrm rot="16200000">
+            <a:off x="6762" y="2811029"/>
+            <a:ext cx="2168027" cy="492369"/>
+          </a:xfrm>
+          <a:prstGeom prst="rect">
+            <a:avLst/>
+          </a:prstGeom>
+          <a:noFill/>
+          <a:ln>
+            <a:noFill/>
+          </a:ln>
+        </p:spPr>
+        <p:style>
+          <a:lnRef idx="2">
+            <a:schemeClr val="accent4"/>
+          </a:lnRef>
+          <a:fillRef idx="1">
+            <a:schemeClr val="lt1"/>
+          </a:fillRef>
+          <a:effectRef idx="0">
+            <a:schemeClr val="accent4"/>
+          </a:effectRef>
+          <a:fontRef idx="minor">
+            <a:schemeClr val="dk1"/>
+          </a:fontRef>
+        </p:style>
+        <p:txBody>
+          <a:bodyPr rtlCol="0" anchor="ctr"/>
+          <a:lstStyle/>
+          <a:p>
+            <a:pPr algn="ctr"/>
+            <a:r>
+              <a:rPr lang="nb-NO" sz="1000" b="1" dirty="0" smtClean="0">
+                <a:solidFill>
+                  <a:schemeClr val="tx2"/>
+                </a:solidFill>
+              </a:rPr>
+              <a:t>Overføring</a:t>
+            </a:r>
+          </a:p>
+        </p:txBody>
+      </p:sp>
+      <p:sp>
+        <p:nvSpPr>
+          <p:cNvPr id="123" name="Title 165"/>
+          <p:cNvSpPr>
+            <a:spLocks noGrp="1"/>
+          </p:cNvSpPr>
+          <p:nvPr>
+            <p:ph type="title"/>
+          </p:nvPr>
+        </p:nvSpPr>
+        <p:spPr>
+          <a:xfrm>
+            <a:off x="527051" y="476251"/>
+            <a:ext cx="11137900" cy="688975"/>
+          </a:xfrm>
+        </p:spPr>
+        <p:txBody>
+          <a:bodyPr/>
+          <a:lstStyle/>
+          <a:p>
+            <a:r>
+              <a:rPr lang="nb-NO" dirty="0" smtClean="0">
+                <a:solidFill>
+                  <a:schemeClr val="accent5"/>
+                </a:solidFill>
+              </a:rPr>
+              <a:t>Utveksling </a:t>
+            </a:r>
+            <a:r>
+              <a:rPr lang="nb-NO" dirty="0" smtClean="0"/>
+              <a:t>og lagring av opplysninger</a:t>
+            </a:r>
+            <a:endParaRPr lang="nb-NO" dirty="0"/>
+          </a:p>
+        </p:txBody>
+      </p:sp>
+      <p:sp>
+        <p:nvSpPr>
+          <p:cNvPr id="124" name="Rectangle 123"/>
+          <p:cNvSpPr/>
+          <p:nvPr/>
+        </p:nvSpPr>
+        <p:spPr>
+          <a:xfrm>
+            <a:off x="2026839" y="2078267"/>
+            <a:ext cx="1072661" cy="492369"/>
+          </a:xfrm>
+          <a:prstGeom prst="rect">
+            <a:avLst/>
+          </a:prstGeom>
+        </p:spPr>
+        <p:style>
+          <a:lnRef idx="2">
+            <a:schemeClr val="accent4"/>
+          </a:lnRef>
+          <a:fillRef idx="1">
+            <a:schemeClr val="lt1"/>
+          </a:fillRef>
+          <a:effectRef idx="0">
+            <a:schemeClr val="accent4"/>
+          </a:effectRef>
+          <a:fontRef idx="minor">
+            <a:schemeClr val="dk1"/>
+          </a:fontRef>
+        </p:style>
+        <p:txBody>
+          <a:bodyPr rtlCol="0" anchor="ctr"/>
+          <a:lstStyle/>
+          <a:p>
+            <a:pPr algn="ctr"/>
+            <a:r>
+              <a:rPr lang="nb-NO" sz="1000" dirty="0" smtClean="0">
+                <a:solidFill>
+                  <a:schemeClr val="tx2"/>
+                </a:solidFill>
+              </a:rPr>
+              <a:t>Bekrefte kundestatus</a:t>
+            </a:r>
+          </a:p>
+        </p:txBody>
+      </p:sp>
+      <p:sp>
+        <p:nvSpPr>
+          <p:cNvPr id="125" name="Rectangle 124"/>
+          <p:cNvSpPr/>
+          <p:nvPr/>
+        </p:nvSpPr>
+        <p:spPr>
+          <a:xfrm>
+            <a:off x="2026839" y="3471359"/>
+            <a:ext cx="1072661" cy="492369"/>
+          </a:xfrm>
+          <a:prstGeom prst="rect">
+            <a:avLst/>
+          </a:prstGeom>
+        </p:spPr>
+        <p:style>
+          <a:lnRef idx="2">
+            <a:schemeClr val="accent4"/>
+          </a:lnRef>
+          <a:fillRef idx="1">
+            <a:schemeClr val="lt1"/>
+          </a:fillRef>
+          <a:effectRef idx="0">
+            <a:schemeClr val="accent4"/>
+          </a:effectRef>
+          <a:fontRef idx="minor">
+            <a:schemeClr val="dk1"/>
+          </a:fontRef>
+        </p:style>
+        <p:txBody>
+          <a:bodyPr rtlCol="0" anchor="ctr"/>
+          <a:lstStyle/>
+          <a:p>
+            <a:pPr algn="ctr"/>
+            <a:r>
+              <a:rPr lang="nb-NO" sz="1000" dirty="0" smtClean="0">
+                <a:solidFill>
+                  <a:schemeClr val="tx2"/>
+                </a:solidFill>
+              </a:rPr>
+              <a:t>Tilby kunde Digipost-faktura</a:t>
+            </a:r>
+          </a:p>
+        </p:txBody>
+      </p:sp>
       <p:cxnSp>
         <p:nvCxnSpPr>
-          <p:cNvPr id="31" name="Straight Arrow Connector 30"/>
-          <p:cNvCxnSpPr>
-            <a:stCxn id="4" idx="2"/>
-            <a:endCxn id="7" idx="0"/>
-          </p:cNvCxnSpPr>
+          <p:cNvPr id="126" name="Straight Connector 125"/>
+          <p:cNvCxnSpPr/>
           <p:nvPr/>
         </p:nvCxnSpPr>
         <p:spPr>
           <a:xfrm>
-            <a:off x="3693561" y="2570636"/>
-            <a:ext cx="0" cy="900723"/>
-          </a:xfrm>
-          <a:prstGeom prst="straightConnector1">
+            <a:off x="3456555" y="1577673"/>
+            <a:ext cx="0" cy="2739614"/>
+          </a:xfrm>
+          <a:prstGeom prst="line">
             <a:avLst/>
           </a:prstGeom>
           <a:ln w="12700">
-            <a:headEnd type="arrow"/>
-            <a:tailEnd type="none"/>
+            <a:solidFill>
+              <a:schemeClr val="accent5">
+                <a:lumMod val="20000"/>
+                <a:lumOff val="80000"/>
+              </a:schemeClr>
+            </a:solidFill>
+            <a:prstDash val="sysDash"/>
           </a:ln>
         </p:spPr>
         <p:style>
@@ -6891,14 +7429,14 @@
       </p:cxnSp>
       <p:sp>
         <p:nvSpPr>
-          <p:cNvPr id="49" name="Rectangle 48"/>
+          <p:cNvPr id="127" name="Rectangle 126"/>
           <p:cNvSpPr/>
           <p:nvPr/>
         </p:nvSpPr>
         <p:spPr>
           <a:xfrm>
-            <a:off x="6356295" y="1465292"/>
-            <a:ext cx="3399692" cy="492369"/>
+            <a:off x="1845413" y="1489096"/>
+            <a:ext cx="1408525" cy="492369"/>
           </a:xfrm>
           <a:prstGeom prst="rect">
             <a:avLst/>
@@ -6928,88 +7466,22 @@
           <a:p>
             <a:pPr algn="ctr"/>
             <a:r>
-              <a:rPr lang="nb-NO" sz="1000" b="1" dirty="0">
-                <a:solidFill>
-                  <a:schemeClr val="tx2"/>
-                </a:solidFill>
-              </a:rPr>
-              <a:t>4</a:t>
-            </a:r>
-            <a:r>
               <a:rPr lang="nb-NO" sz="1000" b="1" dirty="0" smtClean="0">
                 <a:solidFill>
                   <a:schemeClr val="tx2"/>
                 </a:solidFill>
               </a:rPr>
-              <a:t>a) Behandle faktura (normal)</a:t>
-            </a:r>
-          </a:p>
-        </p:txBody>
-      </p:sp>
-      <p:sp>
-        <p:nvSpPr>
-          <p:cNvPr id="56" name="Rectangle 55"/>
-          <p:cNvSpPr/>
-          <p:nvPr/>
-        </p:nvSpPr>
-        <p:spPr>
-          <a:xfrm>
-            <a:off x="3693560" y="2594441"/>
-            <a:ext cx="1169376" cy="900722"/>
-          </a:xfrm>
-          <a:prstGeom prst="rect">
-            <a:avLst/>
-          </a:prstGeom>
-          <a:noFill/>
-          <a:ln>
-            <a:noFill/>
-          </a:ln>
-        </p:spPr>
-        <p:style>
-          <a:lnRef idx="2">
-            <a:schemeClr val="accent4"/>
-          </a:lnRef>
-          <a:fillRef idx="1">
-            <a:schemeClr val="lt1"/>
-          </a:fillRef>
-          <a:effectRef idx="0">
-            <a:schemeClr val="accent4"/>
-          </a:effectRef>
-          <a:fontRef idx="minor">
-            <a:schemeClr val="dk1"/>
-          </a:fontRef>
-        </p:style>
-        <p:txBody>
-          <a:bodyPr rtlCol="0" anchor="ctr"/>
-          <a:lstStyle/>
-          <a:p>
-            <a:r>
-              <a:rPr lang="nb-NO" sz="800" dirty="0" smtClean="0">
-                <a:solidFill>
-                  <a:schemeClr val="tx2"/>
-                </a:solidFill>
-              </a:rPr>
-              <a:t>- FNR</a:t>
-            </a:r>
-          </a:p>
-          <a:p>
-            <a:r>
-              <a:rPr lang="nb-NO" sz="800" dirty="0" smtClean="0">
-                <a:solidFill>
-                  <a:schemeClr val="tx2"/>
-                </a:solidFill>
-              </a:rPr>
-              <a:t>- </a:t>
-            </a:r>
-            <a:r>
-              <a:rPr lang="nb-NO" sz="800" dirty="0" err="1" smtClean="0">
-                <a:solidFill>
-                  <a:schemeClr val="tx2"/>
-                </a:solidFill>
-              </a:rPr>
-              <a:t>Avtalestatus</a:t>
-            </a:r>
-            <a:endParaRPr lang="nb-NO" sz="800" dirty="0" smtClean="0">
+              <a:t>1</a:t>
+            </a:r>
+            <a:r>
+              <a:rPr lang="nb-NO" sz="1000" b="1" smtClean="0">
+                <a:solidFill>
+                  <a:schemeClr val="tx2"/>
+                </a:solidFill>
+              </a:rPr>
+              <a:t>) Identifisering</a:t>
+            </a:r>
+            <a:endParaRPr lang="nb-NO" sz="1000" b="1" i="1" dirty="0" smtClean="0">
               <a:solidFill>
                 <a:schemeClr val="tx2"/>
               </a:solidFill>
@@ -7017,424 +7489,22 @@
           </a:p>
         </p:txBody>
       </p:sp>
-      <p:sp>
-        <p:nvSpPr>
-          <p:cNvPr id="63" name="Rectangle 62"/>
-          <p:cNvSpPr/>
-          <p:nvPr/>
-        </p:nvSpPr>
-        <p:spPr>
-          <a:xfrm>
-            <a:off x="8874322" y="2570636"/>
-            <a:ext cx="1169376" cy="900722"/>
-          </a:xfrm>
-          <a:prstGeom prst="rect">
-            <a:avLst/>
-          </a:prstGeom>
-          <a:noFill/>
-          <a:ln>
-            <a:noFill/>
-          </a:ln>
-        </p:spPr>
-        <p:style>
-          <a:lnRef idx="2">
-            <a:schemeClr val="accent4"/>
-          </a:lnRef>
-          <a:fillRef idx="1">
-            <a:schemeClr val="lt1"/>
-          </a:fillRef>
-          <a:effectRef idx="0">
-            <a:schemeClr val="accent4"/>
-          </a:effectRef>
-          <a:fontRef idx="minor">
-            <a:schemeClr val="dk1"/>
-          </a:fontRef>
-        </p:style>
-        <p:txBody>
-          <a:bodyPr rtlCol="0" anchor="ctr"/>
-          <a:lstStyle/>
-          <a:p>
-            <a:r>
-              <a:rPr lang="nb-NO" sz="800" dirty="0" smtClean="0">
-                <a:solidFill>
-                  <a:schemeClr val="tx2"/>
-                </a:solidFill>
-              </a:rPr>
-              <a:t>- Faktura-ID</a:t>
-            </a:r>
-          </a:p>
-          <a:p>
-            <a:r>
-              <a:rPr lang="nb-NO" sz="800" dirty="0" smtClean="0">
-                <a:solidFill>
-                  <a:schemeClr val="tx2"/>
-                </a:solidFill>
-              </a:rPr>
-              <a:t>- Behandlings-</a:t>
-            </a:r>
-            <a:br>
-              <a:rPr lang="nb-NO" sz="800" dirty="0" smtClean="0">
-                <a:solidFill>
-                  <a:schemeClr val="tx2"/>
-                </a:solidFill>
-              </a:rPr>
-            </a:br>
-            <a:r>
-              <a:rPr lang="nb-NO" sz="800" dirty="0" smtClean="0">
-                <a:solidFill>
-                  <a:schemeClr val="tx2"/>
-                </a:solidFill>
-              </a:rPr>
-              <a:t>  status</a:t>
-            </a:r>
-          </a:p>
-        </p:txBody>
-      </p:sp>
-      <p:sp>
-        <p:nvSpPr>
-          <p:cNvPr id="153" name="Rectangle 152"/>
-          <p:cNvSpPr/>
-          <p:nvPr/>
-        </p:nvSpPr>
-        <p:spPr>
-          <a:xfrm>
-            <a:off x="10454953" y="8877"/>
-            <a:ext cx="1737047" cy="1367161"/>
-          </a:xfrm>
-          <a:prstGeom prst="rect">
-            <a:avLst/>
-          </a:prstGeom>
-          <a:ln>
-            <a:noFill/>
-          </a:ln>
-        </p:spPr>
-        <p:style>
-          <a:lnRef idx="2">
-            <a:schemeClr val="accent4"/>
-          </a:lnRef>
-          <a:fillRef idx="1">
-            <a:schemeClr val="lt1"/>
-          </a:fillRef>
-          <a:effectRef idx="0">
-            <a:schemeClr val="accent4"/>
-          </a:effectRef>
-          <a:fontRef idx="minor">
-            <a:schemeClr val="dk1"/>
-          </a:fontRef>
-        </p:style>
-        <p:txBody>
-          <a:bodyPr rtlCol="0" anchor="t"/>
-          <a:lstStyle/>
-          <a:p>
-            <a:r>
-              <a:rPr lang="nb-NO" sz="900" dirty="0" smtClean="0">
-                <a:solidFill>
-                  <a:schemeClr val="accent5"/>
-                </a:solidFill>
-              </a:rPr>
-              <a:t>FNR = fødselsnummer</a:t>
-            </a:r>
-          </a:p>
-          <a:p>
-            <a:endParaRPr lang="nb-NO" sz="900" dirty="0" smtClean="0">
-              <a:solidFill>
-                <a:schemeClr val="accent5"/>
-              </a:solidFill>
-            </a:endParaRPr>
-          </a:p>
-          <a:p>
-            <a:r>
-              <a:rPr lang="nb-NO" sz="900" dirty="0" smtClean="0">
-                <a:solidFill>
-                  <a:schemeClr val="accent5"/>
-                </a:solidFill>
-              </a:rPr>
-              <a:t>Metadata = </a:t>
-            </a:r>
-          </a:p>
-          <a:p>
-            <a:pPr marL="358775" lvl="1" indent="-171450">
-              <a:buFontTx/>
-              <a:buChar char="-"/>
-            </a:pPr>
-            <a:r>
-              <a:rPr lang="nb-NO" sz="900" dirty="0" smtClean="0">
-                <a:solidFill>
-                  <a:schemeClr val="accent5"/>
-                </a:solidFill>
-              </a:rPr>
-              <a:t>KID</a:t>
-            </a:r>
-          </a:p>
-          <a:p>
-            <a:pPr marL="358775" lvl="1" indent="-171450">
-              <a:buFontTx/>
-              <a:buChar char="-"/>
-            </a:pPr>
-            <a:r>
-              <a:rPr lang="nb-NO" sz="900" dirty="0" smtClean="0">
-                <a:solidFill>
-                  <a:schemeClr val="accent5"/>
-                </a:solidFill>
-              </a:rPr>
-              <a:t>Kontonummer</a:t>
-            </a:r>
-          </a:p>
-          <a:p>
-            <a:pPr marL="358775" lvl="1" indent="-171450">
-              <a:buFontTx/>
-              <a:buChar char="-"/>
-            </a:pPr>
-            <a:r>
-              <a:rPr lang="nb-NO" sz="900" dirty="0" smtClean="0">
-                <a:solidFill>
-                  <a:schemeClr val="accent5"/>
-                </a:solidFill>
-              </a:rPr>
-              <a:t>Beløp</a:t>
-            </a:r>
-          </a:p>
-          <a:p>
-            <a:pPr marL="358775" lvl="1" indent="-171450">
-              <a:buFontTx/>
-              <a:buChar char="-"/>
-            </a:pPr>
-            <a:r>
-              <a:rPr lang="nb-NO" sz="900" dirty="0" smtClean="0">
-                <a:solidFill>
-                  <a:schemeClr val="accent5"/>
-                </a:solidFill>
-              </a:rPr>
-              <a:t>Forfallsdato</a:t>
-            </a:r>
-          </a:p>
-          <a:p>
-            <a:pPr marL="358775" lvl="1" indent="-171450">
-              <a:buFontTx/>
-              <a:buChar char="-"/>
-            </a:pPr>
-            <a:r>
-              <a:rPr lang="nb-NO" sz="900" dirty="0" smtClean="0">
-                <a:solidFill>
-                  <a:schemeClr val="accent5"/>
-                </a:solidFill>
-              </a:rPr>
-              <a:t>Utsteder</a:t>
-            </a:r>
-          </a:p>
-          <a:p>
-            <a:pPr marL="358775" lvl="1" indent="-171450">
-              <a:buFontTx/>
-              <a:buChar char="-"/>
-            </a:pPr>
-            <a:r>
-              <a:rPr lang="nb-NO" sz="900" dirty="0" smtClean="0">
-                <a:solidFill>
-                  <a:schemeClr val="accent5"/>
-                </a:solidFill>
-              </a:rPr>
-              <a:t>URL til fakturabilag</a:t>
-            </a:r>
-          </a:p>
-        </p:txBody>
-      </p:sp>
-      <p:sp>
-        <p:nvSpPr>
-          <p:cNvPr id="154" name="Rectangle 153"/>
-          <p:cNvSpPr/>
-          <p:nvPr/>
-        </p:nvSpPr>
-        <p:spPr>
-          <a:xfrm rot="16200000">
-            <a:off x="-546133" y="2811029"/>
-            <a:ext cx="2168027" cy="492369"/>
-          </a:xfrm>
-          <a:prstGeom prst="rect">
-            <a:avLst/>
-          </a:prstGeom>
-          <a:noFill/>
-          <a:ln>
-            <a:noFill/>
-          </a:ln>
-        </p:spPr>
-        <p:style>
-          <a:lnRef idx="2">
-            <a:schemeClr val="accent4"/>
-          </a:lnRef>
-          <a:fillRef idx="1">
-            <a:schemeClr val="lt1"/>
-          </a:fillRef>
-          <a:effectRef idx="0">
-            <a:schemeClr val="accent4"/>
-          </a:effectRef>
-          <a:fontRef idx="minor">
-            <a:schemeClr val="dk1"/>
-          </a:fontRef>
-        </p:style>
-        <p:txBody>
-          <a:bodyPr rtlCol="0" anchor="ctr"/>
-          <a:lstStyle/>
-          <a:p>
-            <a:pPr algn="ctr"/>
-            <a:r>
-              <a:rPr lang="nb-NO" sz="1000" b="1" dirty="0" smtClean="0">
-                <a:solidFill>
-                  <a:schemeClr val="tx2"/>
-                </a:solidFill>
-              </a:rPr>
-              <a:t>Overføring</a:t>
-            </a:r>
-          </a:p>
-        </p:txBody>
-      </p:sp>
-      <p:sp>
-        <p:nvSpPr>
-          <p:cNvPr id="166" name="Title 165"/>
-          <p:cNvSpPr>
-            <a:spLocks noGrp="1"/>
-          </p:cNvSpPr>
-          <p:nvPr>
-            <p:ph type="title"/>
-          </p:nvPr>
-        </p:nvSpPr>
-        <p:spPr/>
-        <p:txBody>
-          <a:bodyPr/>
-          <a:lstStyle/>
-          <a:p>
-            <a:r>
-              <a:rPr lang="nb-NO" dirty="0" smtClean="0">
-                <a:solidFill>
-                  <a:schemeClr val="accent5"/>
-                </a:solidFill>
-              </a:rPr>
-              <a:t>Utveksling </a:t>
-            </a:r>
-            <a:r>
-              <a:rPr lang="nb-NO" dirty="0" smtClean="0"/>
-              <a:t>og lagring av opplysninger</a:t>
-            </a:r>
-            <a:endParaRPr lang="nb-NO" dirty="0"/>
-          </a:p>
-        </p:txBody>
-      </p:sp>
-      <p:sp>
-        <p:nvSpPr>
-          <p:cNvPr id="33" name="Rectangle 32"/>
-          <p:cNvSpPr/>
-          <p:nvPr/>
-        </p:nvSpPr>
-        <p:spPr>
-          <a:xfrm>
-            <a:off x="1473944" y="2078267"/>
-            <a:ext cx="1072661" cy="492369"/>
-          </a:xfrm>
-          <a:prstGeom prst="rect">
-            <a:avLst/>
-          </a:prstGeom>
-        </p:spPr>
-        <p:style>
-          <a:lnRef idx="2">
-            <a:schemeClr val="accent4"/>
-          </a:lnRef>
-          <a:fillRef idx="1">
-            <a:schemeClr val="lt1"/>
-          </a:fillRef>
-          <a:effectRef idx="0">
-            <a:schemeClr val="accent4"/>
-          </a:effectRef>
-          <a:fontRef idx="minor">
-            <a:schemeClr val="dk1"/>
-          </a:fontRef>
-        </p:style>
-        <p:txBody>
-          <a:bodyPr rtlCol="0" anchor="ctr"/>
-          <a:lstStyle/>
-          <a:p>
-            <a:pPr algn="ctr"/>
-            <a:r>
-              <a:rPr lang="nb-NO" sz="1000" dirty="0" smtClean="0">
-                <a:solidFill>
-                  <a:schemeClr val="tx2"/>
-                </a:solidFill>
-              </a:rPr>
-              <a:t>Bekrefte kundestatus</a:t>
-            </a:r>
-          </a:p>
-        </p:txBody>
-      </p:sp>
-      <p:sp>
-        <p:nvSpPr>
-          <p:cNvPr id="34" name="Rectangle 33"/>
-          <p:cNvSpPr/>
-          <p:nvPr/>
-        </p:nvSpPr>
-        <p:spPr>
-          <a:xfrm>
-            <a:off x="1473944" y="3471359"/>
-            <a:ext cx="1072661" cy="492369"/>
-          </a:xfrm>
-          <a:prstGeom prst="rect">
-            <a:avLst/>
-          </a:prstGeom>
-        </p:spPr>
-        <p:style>
-          <a:lnRef idx="2">
-            <a:schemeClr val="accent4"/>
-          </a:lnRef>
-          <a:fillRef idx="1">
-            <a:schemeClr val="lt1"/>
-          </a:fillRef>
-          <a:effectRef idx="0">
-            <a:schemeClr val="accent4"/>
-          </a:effectRef>
-          <a:fontRef idx="minor">
-            <a:schemeClr val="dk1"/>
-          </a:fontRef>
-        </p:style>
-        <p:txBody>
-          <a:bodyPr rtlCol="0" anchor="ctr"/>
-          <a:lstStyle/>
-          <a:p>
-            <a:pPr algn="ctr"/>
-            <a:r>
-              <a:rPr lang="nb-NO" sz="1000" dirty="0" smtClean="0">
-                <a:solidFill>
-                  <a:schemeClr val="tx2"/>
-                </a:solidFill>
-              </a:rPr>
-              <a:t>Tilby kunde Digipost-faktura</a:t>
-            </a:r>
-            <a:endParaRPr lang="nb-NO" sz="1000" dirty="0" smtClean="0">
-              <a:solidFill>
-                <a:schemeClr val="tx2"/>
-              </a:solidFill>
-            </a:endParaRPr>
-          </a:p>
-        </p:txBody>
-      </p:sp>
       <p:cxnSp>
         <p:nvCxnSpPr>
-          <p:cNvPr id="38" name="Straight Connector 37"/>
+          <p:cNvPr id="128" name="Straight Arrow Connector 127"/>
           <p:cNvCxnSpPr/>
           <p:nvPr/>
         </p:nvCxnSpPr>
         <p:spPr>
-          <a:xfrm>
-            <a:off x="2903660" y="1577673"/>
-            <a:ext cx="0" cy="2739614"/>
-          </a:xfrm>
-          <a:prstGeom prst="line">
+          <a:xfrm flipH="1">
+            <a:off x="8106961" y="2570638"/>
+            <a:ext cx="1" cy="900722"/>
+          </a:xfrm>
+          <a:prstGeom prst="straightConnector1">
             <a:avLst/>
           </a:prstGeom>
           <a:ln w="12700">
-            <a:solidFill>
-              <a:schemeClr val="accent5">
-                <a:lumMod val="20000"/>
-                <a:lumOff val="80000"/>
-              </a:schemeClr>
-            </a:solidFill>
-            <a:prstDash val="sysDash"/>
+            <a:tailEnd type="arrow"/>
           </a:ln>
         </p:spPr>
         <p:style>
@@ -7454,14 +7524,14 @@
       </p:cxnSp>
       <p:sp>
         <p:nvSpPr>
-          <p:cNvPr id="40" name="Rectangle 39"/>
+          <p:cNvPr id="129" name="Rectangle 128"/>
           <p:cNvSpPr/>
           <p:nvPr/>
         </p:nvSpPr>
         <p:spPr>
           <a:xfrm>
-            <a:off x="1292518" y="1489096"/>
-            <a:ext cx="1408525" cy="492369"/>
+            <a:off x="8115838" y="2570638"/>
+            <a:ext cx="1169376" cy="900722"/>
           </a:xfrm>
           <a:prstGeom prst="rect">
             <a:avLst/>
@@ -7489,49 +7559,37 @@
           <a:bodyPr rtlCol="0" anchor="ctr"/>
           <a:lstStyle/>
           <a:p>
-            <a:pPr algn="ctr"/>
-            <a:r>
-              <a:rPr lang="nb-NO" sz="1000" b="1" dirty="0" smtClean="0">
-                <a:solidFill>
-                  <a:schemeClr val="tx2"/>
-                </a:solidFill>
-              </a:rPr>
-              <a:t>1</a:t>
-            </a:r>
-            <a:r>
-              <a:rPr lang="nb-NO" sz="1000" b="1" smtClean="0">
-                <a:solidFill>
-                  <a:schemeClr val="tx2"/>
-                </a:solidFill>
-              </a:rPr>
-              <a:t>) </a:t>
-            </a:r>
-            <a:r>
-              <a:rPr lang="nb-NO" sz="1000" b="1" smtClean="0">
-                <a:solidFill>
-                  <a:schemeClr val="tx2"/>
-                </a:solidFill>
-              </a:rPr>
-              <a:t>Identifisering</a:t>
-            </a:r>
-            <a:endParaRPr lang="nb-NO" sz="1000" b="1" i="1" dirty="0" smtClean="0">
-              <a:solidFill>
-                <a:schemeClr val="tx2"/>
-              </a:solidFill>
-            </a:endParaRPr>
+            <a:r>
+              <a:rPr lang="nb-NO" sz="800" dirty="0" smtClean="0">
+                <a:solidFill>
+                  <a:schemeClr val="tx2"/>
+                </a:solidFill>
+              </a:rPr>
+              <a:t>- FakturaID</a:t>
+            </a:r>
+          </a:p>
+          <a:p>
+            <a:r>
+              <a:rPr lang="nb-NO" sz="800" dirty="0" smtClean="0">
+                <a:solidFill>
+                  <a:schemeClr val="tx2"/>
+                </a:solidFill>
+              </a:rPr>
+              <a:t>- Metadata</a:t>
+            </a:r>
           </a:p>
         </p:txBody>
       </p:sp>
       <p:cxnSp>
         <p:nvCxnSpPr>
-          <p:cNvPr id="42" name="Straight Arrow Connector 41"/>
+          <p:cNvPr id="130" name="Straight Arrow Connector 129"/>
           <p:cNvCxnSpPr/>
           <p:nvPr/>
         </p:nvCxnSpPr>
         <p:spPr>
-          <a:xfrm flipH="1">
-            <a:off x="7607229" y="2570638"/>
-            <a:ext cx="1" cy="900722"/>
+          <a:xfrm flipV="1">
+            <a:off x="7344929" y="2570637"/>
+            <a:ext cx="0" cy="900723"/>
           </a:xfrm>
           <a:prstGeom prst="straightConnector1">
             <a:avLst/>
@@ -7557,13 +7615,13 @@
       </p:cxnSp>
       <p:sp>
         <p:nvSpPr>
-          <p:cNvPr id="45" name="Rectangle 44"/>
+          <p:cNvPr id="131" name="Rectangle 130"/>
           <p:cNvSpPr/>
           <p:nvPr/>
         </p:nvSpPr>
         <p:spPr>
           <a:xfrm>
-            <a:off x="7616106" y="2570638"/>
+            <a:off x="7344928" y="2570638"/>
             <a:ext cx="1169376" cy="900722"/>
           </a:xfrm>
           <a:prstGeom prst="rect">
@@ -7598,31 +7656,554 @@
                   <a:schemeClr val="tx2"/>
                 </a:solidFill>
               </a:rPr>
-              <a:t>- FakturaID</a:t>
-            </a:r>
-          </a:p>
-          <a:p>
-            <a:r>
-              <a:rPr lang="nb-NO" sz="800" dirty="0" smtClean="0">
-                <a:solidFill>
-                  <a:schemeClr val="tx2"/>
-                </a:solidFill>
-              </a:rPr>
-              <a:t>- Metadata</a:t>
+              <a:t>- FNR</a:t>
+            </a:r>
+          </a:p>
+        </p:txBody>
+      </p:sp>
+      <p:sp>
+        <p:nvSpPr>
+          <p:cNvPr id="132" name="TextBox 131"/>
+          <p:cNvSpPr txBox="1"/>
+          <p:nvPr/>
+        </p:nvSpPr>
+        <p:spPr>
+          <a:xfrm>
+            <a:off x="1815269" y="4193583"/>
+            <a:ext cx="1526886" cy="784830"/>
+          </a:xfrm>
+          <a:prstGeom prst="rect">
+            <a:avLst/>
+          </a:prstGeom>
+          <a:noFill/>
+        </p:spPr>
+        <p:txBody>
+          <a:bodyPr wrap="square" rtlCol="0">
+            <a:spAutoFit/>
+          </a:bodyPr>
+          <a:lstStyle/>
+          <a:p>
+            <a:pPr marL="171450" indent="-171450">
+              <a:spcAft>
+                <a:spcPts val="300"/>
+              </a:spcAft>
+              <a:buFont typeface="Arial" panose="020B0604020202020204" pitchFamily="34" charset="0"/>
+              <a:buChar char="•"/>
+            </a:pPr>
+            <a:r>
+              <a:rPr lang="nb-NO" sz="900" dirty="0" smtClean="0">
+                <a:solidFill>
+                  <a:schemeClr val="tx2"/>
+                </a:solidFill>
+              </a:rPr>
+              <a:t>Banken sender FNR ved innlogging i bank og Digipost svarer med om kunden har Digipost</a:t>
+            </a:r>
+          </a:p>
+        </p:txBody>
+      </p:sp>
+      <p:sp>
+        <p:nvSpPr>
+          <p:cNvPr id="133" name="TextBox 132"/>
+          <p:cNvSpPr txBox="1"/>
+          <p:nvPr/>
+        </p:nvSpPr>
+        <p:spPr>
+          <a:xfrm>
+            <a:off x="3437423" y="4193583"/>
+            <a:ext cx="1597910" cy="823302"/>
+          </a:xfrm>
+          <a:prstGeom prst="rect">
+            <a:avLst/>
+          </a:prstGeom>
+          <a:noFill/>
+        </p:spPr>
+        <p:txBody>
+          <a:bodyPr wrap="square" rtlCol="0">
+            <a:spAutoFit/>
+          </a:bodyPr>
+          <a:lstStyle/>
+          <a:p>
+            <a:pPr marL="171450" indent="-171450">
+              <a:spcAft>
+                <a:spcPts val="300"/>
+              </a:spcAft>
+              <a:buFont typeface="Arial" panose="020B0604020202020204" pitchFamily="34" charset="0"/>
+              <a:buChar char="•"/>
+            </a:pPr>
+            <a:r>
+              <a:rPr lang="nb-NO" sz="900" dirty="0" smtClean="0">
+                <a:solidFill>
+                  <a:schemeClr val="tx2"/>
+                </a:solidFill>
+              </a:rPr>
+              <a:t>Banken spør kunde (som har Digipost) om å inngå avtale</a:t>
+            </a:r>
+          </a:p>
+          <a:p>
+            <a:pPr marL="171450" indent="-171450">
+              <a:spcAft>
+                <a:spcPts val="300"/>
+              </a:spcAft>
+              <a:buFont typeface="Arial" panose="020B0604020202020204" pitchFamily="34" charset="0"/>
+              <a:buChar char="•"/>
+            </a:pPr>
+            <a:r>
+              <a:rPr lang="nb-NO" sz="900" dirty="0">
+                <a:solidFill>
+                  <a:schemeClr val="tx2"/>
+                </a:solidFill>
+              </a:rPr>
+              <a:t>Avtalestatus overføres til </a:t>
+            </a:r>
+            <a:r>
+              <a:rPr lang="nb-NO" sz="900" dirty="0" smtClean="0">
+                <a:solidFill>
+                  <a:schemeClr val="tx2"/>
+                </a:solidFill>
+              </a:rPr>
+              <a:t>Digipost</a:t>
+            </a:r>
+          </a:p>
+        </p:txBody>
+      </p:sp>
+      <p:sp>
+        <p:nvSpPr>
+          <p:cNvPr id="134" name="TextBox 133"/>
+          <p:cNvSpPr txBox="1"/>
+          <p:nvPr/>
+        </p:nvSpPr>
+        <p:spPr>
+          <a:xfrm>
+            <a:off x="7185804" y="4193583"/>
+            <a:ext cx="2859130" cy="2008242"/>
+          </a:xfrm>
+          <a:prstGeom prst="rect">
+            <a:avLst/>
+          </a:prstGeom>
+          <a:noFill/>
+        </p:spPr>
+        <p:txBody>
+          <a:bodyPr wrap="square" rtlCol="0">
+            <a:spAutoFit/>
+          </a:bodyPr>
+          <a:lstStyle/>
+          <a:p>
+            <a:pPr marL="171450" indent="-171450">
+              <a:spcAft>
+                <a:spcPts val="300"/>
+              </a:spcAft>
+              <a:buFont typeface="Arial" panose="020B0604020202020204" pitchFamily="34" charset="0"/>
+              <a:buChar char="•"/>
+            </a:pPr>
+            <a:r>
+              <a:rPr lang="nb-NO" sz="900" dirty="0">
+                <a:solidFill>
+                  <a:schemeClr val="tx2"/>
+                </a:solidFill>
+              </a:rPr>
+              <a:t>Ved innlogging i bank</a:t>
+            </a:r>
+            <a:r>
+              <a:rPr lang="nb-NO" sz="900" dirty="0" smtClean="0">
+                <a:solidFill>
+                  <a:schemeClr val="tx2"/>
+                </a:solidFill>
+              </a:rPr>
+              <a:t>, eller etter avtaleinngåelse, </a:t>
+            </a:r>
+            <a:r>
+              <a:rPr lang="nb-NO" sz="900" dirty="0">
+                <a:solidFill>
+                  <a:schemeClr val="tx2"/>
+                </a:solidFill>
+              </a:rPr>
+              <a:t>sender </a:t>
+            </a:r>
+            <a:r>
+              <a:rPr lang="nb-NO" sz="900" dirty="0" smtClean="0">
+                <a:solidFill>
+                  <a:schemeClr val="tx2"/>
+                </a:solidFill>
+              </a:rPr>
+              <a:t>banken kundens </a:t>
+            </a:r>
+            <a:r>
+              <a:rPr lang="nb-NO" sz="900" dirty="0">
+                <a:solidFill>
+                  <a:schemeClr val="tx2"/>
+                </a:solidFill>
+              </a:rPr>
+              <a:t>FNR til Digipost </a:t>
+            </a:r>
+          </a:p>
+          <a:p>
+            <a:pPr marL="171450" indent="-171450">
+              <a:spcAft>
+                <a:spcPts val="300"/>
+              </a:spcAft>
+              <a:buFont typeface="Arial" panose="020B0604020202020204" pitchFamily="34" charset="0"/>
+              <a:buChar char="•"/>
+            </a:pPr>
+            <a:r>
+              <a:rPr lang="nb-NO" sz="900" dirty="0">
+                <a:solidFill>
+                  <a:schemeClr val="tx2"/>
+                </a:solidFill>
+              </a:rPr>
+              <a:t>Dersom kunden har ubehandlede fakturaer liggende i Digipost, sender Digipost </a:t>
+            </a:r>
+            <a:r>
+              <a:rPr lang="nb-NO" sz="900" dirty="0" err="1" smtClean="0">
+                <a:solidFill>
+                  <a:schemeClr val="tx2"/>
+                </a:solidFill>
+              </a:rPr>
+              <a:t>fakturaID</a:t>
+            </a:r>
+            <a:r>
+              <a:rPr lang="nb-NO" sz="900" dirty="0" smtClean="0">
+                <a:solidFill>
+                  <a:schemeClr val="tx2"/>
+                </a:solidFill>
+              </a:rPr>
+              <a:t> </a:t>
+            </a:r>
+            <a:r>
+              <a:rPr lang="nb-NO" sz="900" dirty="0">
+                <a:solidFill>
+                  <a:schemeClr val="tx2"/>
+                </a:solidFill>
+              </a:rPr>
+              <a:t>og metadata </a:t>
+            </a:r>
+            <a:r>
+              <a:rPr lang="nb-NO" sz="900" dirty="0" smtClean="0">
+                <a:solidFill>
+                  <a:schemeClr val="tx2"/>
+                </a:solidFill>
+              </a:rPr>
+              <a:t>til banken for visning av fakturaer</a:t>
+            </a:r>
+          </a:p>
+          <a:p>
+            <a:pPr marL="171450" indent="-171450">
+              <a:spcAft>
+                <a:spcPts val="300"/>
+              </a:spcAft>
+              <a:buFont typeface="Arial" panose="020B0604020202020204" pitchFamily="34" charset="0"/>
+              <a:buChar char="•"/>
+            </a:pPr>
+            <a:r>
+              <a:rPr lang="nb-NO" sz="900" dirty="0" smtClean="0">
+                <a:solidFill>
+                  <a:schemeClr val="tx2"/>
+                </a:solidFill>
+              </a:rPr>
+              <a:t>Dersom </a:t>
+            </a:r>
+            <a:r>
+              <a:rPr lang="nb-NO" sz="900" dirty="0">
+                <a:solidFill>
+                  <a:schemeClr val="tx2"/>
+                </a:solidFill>
+              </a:rPr>
+              <a:t>kunde behandler faktura, overføres dette som ny status på aktuell faktura</a:t>
+            </a:r>
+          </a:p>
+          <a:p>
+            <a:pPr marL="171450" indent="-171450">
+              <a:spcAft>
+                <a:spcPts val="300"/>
+              </a:spcAft>
+              <a:buFont typeface="Arial" panose="020B0604020202020204" pitchFamily="34" charset="0"/>
+              <a:buChar char="•"/>
+            </a:pPr>
+            <a:r>
+              <a:rPr lang="nb-NO" sz="900" dirty="0">
+                <a:solidFill>
+                  <a:schemeClr val="tx2"/>
+                </a:solidFill>
+              </a:rPr>
+              <a:t>Digipost lagrer behandlingsstatus, for å sikre at samme faktura ikke overføres og behandles flere ganger</a:t>
+            </a:r>
+          </a:p>
+        </p:txBody>
+      </p:sp>
+      <p:sp>
+        <p:nvSpPr>
+          <p:cNvPr id="135" name="Rectangle 134"/>
+          <p:cNvSpPr/>
+          <p:nvPr/>
+        </p:nvSpPr>
+        <p:spPr>
+          <a:xfrm>
+            <a:off x="5388795" y="1481739"/>
+            <a:ext cx="1603878" cy="492369"/>
+          </a:xfrm>
+          <a:prstGeom prst="rect">
+            <a:avLst/>
+          </a:prstGeom>
+          <a:noFill/>
+          <a:ln>
+            <a:noFill/>
+          </a:ln>
+        </p:spPr>
+        <p:style>
+          <a:lnRef idx="2">
+            <a:schemeClr val="accent4"/>
+          </a:lnRef>
+          <a:fillRef idx="1">
+            <a:schemeClr val="lt1"/>
+          </a:fillRef>
+          <a:effectRef idx="0">
+            <a:schemeClr val="accent4"/>
+          </a:effectRef>
+          <a:fontRef idx="minor">
+            <a:schemeClr val="dk1"/>
+          </a:fontRef>
+        </p:style>
+        <p:txBody>
+          <a:bodyPr rtlCol="0" anchor="ctr"/>
+          <a:lstStyle/>
+          <a:p>
+            <a:r>
+              <a:rPr lang="nb-NO" sz="1000" b="1" dirty="0">
+                <a:solidFill>
+                  <a:schemeClr val="tx2"/>
+                </a:solidFill>
+              </a:rPr>
+              <a:t>3</a:t>
+            </a:r>
+            <a:r>
+              <a:rPr lang="nb-NO" sz="1000" b="1" dirty="0" smtClean="0">
+                <a:solidFill>
+                  <a:schemeClr val="tx2"/>
+                </a:solidFill>
+              </a:rPr>
+              <a:t>) </a:t>
+            </a:r>
+            <a:r>
+              <a:rPr lang="nb-NO" sz="1000" b="1" dirty="0" smtClean="0">
+                <a:solidFill>
+                  <a:schemeClr val="tx2"/>
+                </a:solidFill>
+              </a:rPr>
+              <a:t>Utlisting av antall fakturaer</a:t>
+            </a:r>
+          </a:p>
+        </p:txBody>
+      </p:sp>
+      <p:sp>
+        <p:nvSpPr>
+          <p:cNvPr id="136" name="TextBox 69"/>
+          <p:cNvSpPr txBox="1"/>
+          <p:nvPr/>
+        </p:nvSpPr>
+        <p:spPr>
+          <a:xfrm>
+            <a:off x="5362668" y="4193583"/>
+            <a:ext cx="1526886" cy="2108269"/>
+          </a:xfrm>
+          <a:prstGeom prst="rect">
+            <a:avLst/>
+          </a:prstGeom>
+          <a:noFill/>
+        </p:spPr>
+        <p:txBody>
+          <a:bodyPr wrap="square" rtlCol="0">
+            <a:spAutoFit/>
+          </a:bodyPr>
+          <a:lstStyle/>
+          <a:p>
+            <a:pPr marL="171450" indent="-171450">
+              <a:spcAft>
+                <a:spcPts val="300"/>
+              </a:spcAft>
+              <a:buFont typeface="Arial" panose="020B0604020202020204" pitchFamily="34" charset="0"/>
+              <a:buChar char="•"/>
+            </a:pPr>
+            <a:r>
+              <a:rPr lang="nb-NO" sz="900" dirty="0">
+                <a:solidFill>
+                  <a:schemeClr val="tx2"/>
+                </a:solidFill>
+              </a:rPr>
+              <a:t>Ved innlogging i bank, eller etter </a:t>
+            </a:r>
+            <a:r>
+              <a:rPr lang="nb-NO" sz="900" dirty="0" smtClean="0">
+                <a:solidFill>
+                  <a:schemeClr val="tx2"/>
+                </a:solidFill>
+              </a:rPr>
+              <a:t>avtaleinngåelse, </a:t>
+            </a:r>
+            <a:r>
+              <a:rPr lang="nb-NO" sz="900" dirty="0">
+                <a:solidFill>
+                  <a:schemeClr val="tx2"/>
+                </a:solidFill>
+              </a:rPr>
+              <a:t>sender </a:t>
+            </a:r>
+            <a:r>
+              <a:rPr lang="nb-NO" sz="900" dirty="0" smtClean="0">
+                <a:solidFill>
+                  <a:schemeClr val="tx2"/>
+                </a:solidFill>
+              </a:rPr>
+              <a:t>banken kundens </a:t>
+            </a:r>
+            <a:r>
+              <a:rPr lang="nb-NO" sz="900" dirty="0">
+                <a:solidFill>
+                  <a:schemeClr val="tx2"/>
+                </a:solidFill>
+              </a:rPr>
+              <a:t>FNR til Digipost </a:t>
+            </a:r>
+          </a:p>
+          <a:p>
+            <a:pPr marL="171450" indent="-171450">
+              <a:spcAft>
+                <a:spcPts val="300"/>
+              </a:spcAft>
+              <a:buFont typeface="Arial" panose="020B0604020202020204" pitchFamily="34" charset="0"/>
+              <a:buChar char="•"/>
+            </a:pPr>
+            <a:r>
+              <a:rPr lang="nb-NO" sz="900" dirty="0" smtClean="0">
+                <a:solidFill>
+                  <a:schemeClr val="tx2"/>
+                </a:solidFill>
+              </a:rPr>
+              <a:t>Digipost svarer med antall ubehandlede fakturaer for kunden</a:t>
+            </a:r>
+          </a:p>
+          <a:p>
+            <a:pPr marL="171450" indent="-171450">
+              <a:spcAft>
+                <a:spcPts val="300"/>
+              </a:spcAft>
+              <a:buFont typeface="Arial" panose="020B0604020202020204" pitchFamily="34" charset="0"/>
+              <a:buChar char="•"/>
+            </a:pPr>
+            <a:r>
+              <a:rPr lang="nb-NO" sz="900" dirty="0" smtClean="0">
+                <a:solidFill>
+                  <a:schemeClr val="tx2"/>
+                </a:solidFill>
+              </a:rPr>
+              <a:t>Banken viser kunden en teller av antall ubehandlede fakturaer</a:t>
+            </a:r>
+            <a:endParaRPr lang="nb-NO" sz="900" dirty="0">
+              <a:solidFill>
+                <a:schemeClr val="tx2"/>
+              </a:solidFill>
+            </a:endParaRPr>
+          </a:p>
+        </p:txBody>
+      </p:sp>
+      <p:sp>
+        <p:nvSpPr>
+          <p:cNvPr id="137" name="Rectangle 136"/>
+          <p:cNvSpPr/>
+          <p:nvPr/>
+        </p:nvSpPr>
+        <p:spPr>
+          <a:xfrm>
+            <a:off x="5521162" y="2078267"/>
+            <a:ext cx="1072661" cy="492369"/>
+          </a:xfrm>
+          <a:prstGeom prst="rect">
+            <a:avLst/>
+          </a:prstGeom>
+        </p:spPr>
+        <p:style>
+          <a:lnRef idx="2">
+            <a:schemeClr val="accent4"/>
+          </a:lnRef>
+          <a:fillRef idx="1">
+            <a:schemeClr val="lt1"/>
+          </a:fillRef>
+          <a:effectRef idx="0">
+            <a:schemeClr val="accent4"/>
+          </a:effectRef>
+          <a:fontRef idx="minor">
+            <a:schemeClr val="dk1"/>
+          </a:fontRef>
+        </p:style>
+        <p:txBody>
+          <a:bodyPr rtlCol="0" anchor="ctr"/>
+          <a:lstStyle/>
+          <a:p>
+            <a:pPr algn="ctr"/>
+            <a:r>
+              <a:rPr lang="nb-NO" sz="1000" dirty="0" smtClean="0">
+                <a:solidFill>
+                  <a:schemeClr val="tx2"/>
+                </a:solidFill>
+              </a:rPr>
+              <a:t>Ubehandlede fakturaer</a:t>
+            </a:r>
+          </a:p>
+        </p:txBody>
+      </p:sp>
+      <p:sp>
+        <p:nvSpPr>
+          <p:cNvPr id="138" name="Rectangle 137"/>
+          <p:cNvSpPr/>
+          <p:nvPr/>
+        </p:nvSpPr>
+        <p:spPr>
+          <a:xfrm>
+            <a:off x="5521161" y="3471359"/>
+            <a:ext cx="1072661" cy="492369"/>
+          </a:xfrm>
+          <a:prstGeom prst="rect">
+            <a:avLst/>
+          </a:prstGeom>
+        </p:spPr>
+        <p:style>
+          <a:lnRef idx="2">
+            <a:schemeClr val="accent4"/>
+          </a:lnRef>
+          <a:fillRef idx="1">
+            <a:schemeClr val="lt1"/>
+          </a:fillRef>
+          <a:effectRef idx="0">
+            <a:schemeClr val="accent4"/>
+          </a:effectRef>
+          <a:fontRef idx="minor">
+            <a:schemeClr val="dk1"/>
+          </a:fontRef>
+        </p:style>
+        <p:txBody>
+          <a:bodyPr rtlCol="0" anchor="ctr"/>
+          <a:lstStyle/>
+          <a:p>
+            <a:pPr algn="ctr"/>
+            <a:r>
+              <a:rPr lang="nb-NO" sz="1000" dirty="0">
+                <a:solidFill>
+                  <a:schemeClr val="tx2"/>
+                </a:solidFill>
+              </a:rPr>
+              <a:t>Kundens innlogging i bank</a:t>
             </a:r>
           </a:p>
         </p:txBody>
       </p:sp>
       <p:cxnSp>
         <p:nvCxnSpPr>
-          <p:cNvPr id="46" name="Straight Arrow Connector 45"/>
+          <p:cNvPr id="139" name="Straight Arrow Connector 138"/>
           <p:cNvCxnSpPr/>
           <p:nvPr/>
         </p:nvCxnSpPr>
         <p:spPr>
-          <a:xfrm flipV="1">
-            <a:off x="6845197" y="2570637"/>
-            <a:ext cx="0" cy="900723"/>
+          <a:xfrm flipH="1">
+            <a:off x="6416204" y="2570637"/>
+            <a:ext cx="1" cy="900722"/>
           </a:xfrm>
           <a:prstGeom prst="straightConnector1">
             <a:avLst/>
@@ -7648,14 +8229,14 @@
       </p:cxnSp>
       <p:sp>
         <p:nvSpPr>
-          <p:cNvPr id="47" name="Rectangle 46"/>
+          <p:cNvPr id="140" name="Rectangle 139"/>
           <p:cNvSpPr/>
           <p:nvPr/>
         </p:nvSpPr>
         <p:spPr>
           <a:xfrm>
-            <a:off x="6845196" y="2570638"/>
-            <a:ext cx="1169376" cy="900722"/>
+            <a:off x="6425081" y="2595917"/>
+            <a:ext cx="754377" cy="900722"/>
           </a:xfrm>
           <a:prstGeom prst="rect">
             <a:avLst/>
@@ -7689,546 +8270,21 @@
                   <a:schemeClr val="tx2"/>
                 </a:solidFill>
               </a:rPr>
-              <a:t>- FNR</a:t>
-            </a:r>
-          </a:p>
-        </p:txBody>
-      </p:sp>
-      <p:sp>
-        <p:nvSpPr>
-          <p:cNvPr id="3" name="TextBox 2"/>
-          <p:cNvSpPr txBox="1"/>
-          <p:nvPr/>
-        </p:nvSpPr>
-        <p:spPr>
-          <a:xfrm>
-            <a:off x="1262374" y="4193583"/>
-            <a:ext cx="1526886" cy="784830"/>
-          </a:xfrm>
-          <a:prstGeom prst="rect">
-            <a:avLst/>
-          </a:prstGeom>
-          <a:noFill/>
-        </p:spPr>
-        <p:txBody>
-          <a:bodyPr wrap="square" rtlCol="0">
-            <a:spAutoFit/>
-          </a:bodyPr>
-          <a:lstStyle/>
-          <a:p>
-            <a:pPr marL="171450" indent="-171450">
-              <a:spcAft>
-                <a:spcPts val="300"/>
-              </a:spcAft>
-              <a:buFont typeface="Arial" panose="020B0604020202020204" pitchFamily="34" charset="0"/>
-              <a:buChar char="•"/>
-            </a:pPr>
-            <a:r>
-              <a:rPr lang="nb-NO" sz="900" dirty="0" smtClean="0">
-                <a:solidFill>
-                  <a:schemeClr val="tx2"/>
-                </a:solidFill>
-              </a:rPr>
-              <a:t>Banken sender FNR ved innlogging i bank og Digipost svarer med om kunden har Digipost</a:t>
-            </a:r>
-          </a:p>
-        </p:txBody>
-      </p:sp>
-      <p:sp>
-        <p:nvSpPr>
-          <p:cNvPr id="68" name="TextBox 67"/>
-          <p:cNvSpPr txBox="1"/>
-          <p:nvPr/>
-        </p:nvSpPr>
-        <p:spPr>
-          <a:xfrm>
-            <a:off x="2884528" y="4193583"/>
-            <a:ext cx="1597910" cy="823302"/>
-          </a:xfrm>
-          <a:prstGeom prst="rect">
-            <a:avLst/>
-          </a:prstGeom>
-          <a:noFill/>
-        </p:spPr>
-        <p:txBody>
-          <a:bodyPr wrap="square" rtlCol="0">
-            <a:spAutoFit/>
-          </a:bodyPr>
-          <a:lstStyle/>
-          <a:p>
-            <a:pPr marL="171450" indent="-171450">
-              <a:spcAft>
-                <a:spcPts val="300"/>
-              </a:spcAft>
-              <a:buFont typeface="Arial" panose="020B0604020202020204" pitchFamily="34" charset="0"/>
-              <a:buChar char="•"/>
-            </a:pPr>
-            <a:r>
-              <a:rPr lang="nb-NO" sz="900" dirty="0" smtClean="0">
-                <a:solidFill>
-                  <a:schemeClr val="tx2"/>
-                </a:solidFill>
-              </a:rPr>
-              <a:t>Banken spør kunde (som har Digipost) om å inngå avtale</a:t>
-            </a:r>
-          </a:p>
-          <a:p>
-            <a:pPr marL="171450" indent="-171450">
-              <a:spcAft>
-                <a:spcPts val="300"/>
-              </a:spcAft>
-              <a:buFont typeface="Arial" panose="020B0604020202020204" pitchFamily="34" charset="0"/>
-              <a:buChar char="•"/>
-            </a:pPr>
-            <a:r>
-              <a:rPr lang="nb-NO" sz="900" dirty="0">
-                <a:solidFill>
-                  <a:schemeClr val="tx2"/>
-                </a:solidFill>
-              </a:rPr>
-              <a:t>Avtalestatus overføres til </a:t>
-            </a:r>
-            <a:r>
-              <a:rPr lang="nb-NO" sz="900" dirty="0" smtClean="0">
-                <a:solidFill>
-                  <a:schemeClr val="tx2"/>
-                </a:solidFill>
-              </a:rPr>
-              <a:t>Digipost</a:t>
-            </a:r>
-          </a:p>
-        </p:txBody>
-      </p:sp>
-      <p:sp>
-        <p:nvSpPr>
-          <p:cNvPr id="69" name="TextBox 68"/>
-          <p:cNvSpPr txBox="1"/>
-          <p:nvPr/>
-        </p:nvSpPr>
-        <p:spPr>
-          <a:xfrm>
-            <a:off x="6686072" y="4193583"/>
-            <a:ext cx="2859130" cy="2008242"/>
-          </a:xfrm>
-          <a:prstGeom prst="rect">
-            <a:avLst/>
-          </a:prstGeom>
-          <a:noFill/>
-        </p:spPr>
-        <p:txBody>
-          <a:bodyPr wrap="square" rtlCol="0">
-            <a:spAutoFit/>
-          </a:bodyPr>
-          <a:lstStyle/>
-          <a:p>
-            <a:pPr marL="171450" indent="-171450">
-              <a:spcAft>
-                <a:spcPts val="300"/>
-              </a:spcAft>
-              <a:buFont typeface="Arial" panose="020B0604020202020204" pitchFamily="34" charset="0"/>
-              <a:buChar char="•"/>
-            </a:pPr>
-            <a:r>
-              <a:rPr lang="nb-NO" sz="900" dirty="0">
-                <a:solidFill>
-                  <a:schemeClr val="tx2"/>
-                </a:solidFill>
-              </a:rPr>
-              <a:t>Ved innlogging i bank</a:t>
-            </a:r>
-            <a:r>
-              <a:rPr lang="nb-NO" sz="900" dirty="0" smtClean="0">
-                <a:solidFill>
-                  <a:schemeClr val="tx2"/>
-                </a:solidFill>
-              </a:rPr>
-              <a:t>, eller etter avtaleinngåelse, </a:t>
-            </a:r>
-            <a:r>
-              <a:rPr lang="nb-NO" sz="900" dirty="0">
-                <a:solidFill>
-                  <a:schemeClr val="tx2"/>
-                </a:solidFill>
-              </a:rPr>
-              <a:t>sender </a:t>
-            </a:r>
-            <a:r>
-              <a:rPr lang="nb-NO" sz="900" dirty="0" smtClean="0">
-                <a:solidFill>
-                  <a:schemeClr val="tx2"/>
-                </a:solidFill>
-              </a:rPr>
-              <a:t>banken kundens </a:t>
-            </a:r>
-            <a:r>
-              <a:rPr lang="nb-NO" sz="900" dirty="0">
-                <a:solidFill>
-                  <a:schemeClr val="tx2"/>
-                </a:solidFill>
-              </a:rPr>
-              <a:t>FNR til Digipost </a:t>
-            </a:r>
-          </a:p>
-          <a:p>
-            <a:pPr marL="171450" indent="-171450">
-              <a:spcAft>
-                <a:spcPts val="300"/>
-              </a:spcAft>
-              <a:buFont typeface="Arial" panose="020B0604020202020204" pitchFamily="34" charset="0"/>
-              <a:buChar char="•"/>
-            </a:pPr>
-            <a:r>
-              <a:rPr lang="nb-NO" sz="900" dirty="0">
-                <a:solidFill>
-                  <a:schemeClr val="tx2"/>
-                </a:solidFill>
-              </a:rPr>
-              <a:t>Dersom kunden har ubehandlede fakturaer liggende i Digipost, sender Digipost </a:t>
-            </a:r>
-            <a:r>
-              <a:rPr lang="nb-NO" sz="900" dirty="0" err="1" smtClean="0">
-                <a:solidFill>
-                  <a:schemeClr val="tx2"/>
-                </a:solidFill>
-              </a:rPr>
-              <a:t>fakturaID</a:t>
-            </a:r>
-            <a:r>
-              <a:rPr lang="nb-NO" sz="900" dirty="0" smtClean="0">
-                <a:solidFill>
-                  <a:schemeClr val="tx2"/>
-                </a:solidFill>
-              </a:rPr>
-              <a:t> </a:t>
-            </a:r>
-            <a:r>
-              <a:rPr lang="nb-NO" sz="900" dirty="0">
-                <a:solidFill>
-                  <a:schemeClr val="tx2"/>
-                </a:solidFill>
-              </a:rPr>
-              <a:t>og metadata </a:t>
-            </a:r>
-            <a:r>
-              <a:rPr lang="nb-NO" sz="900" dirty="0" smtClean="0">
-                <a:solidFill>
-                  <a:schemeClr val="tx2"/>
-                </a:solidFill>
-              </a:rPr>
-              <a:t>til banken for visning av fakturaer</a:t>
-            </a:r>
-          </a:p>
-          <a:p>
-            <a:pPr marL="171450" indent="-171450">
-              <a:spcAft>
-                <a:spcPts val="300"/>
-              </a:spcAft>
-              <a:buFont typeface="Arial" panose="020B0604020202020204" pitchFamily="34" charset="0"/>
-              <a:buChar char="•"/>
-            </a:pPr>
-            <a:r>
-              <a:rPr lang="nb-NO" sz="900" dirty="0" smtClean="0">
-                <a:solidFill>
-                  <a:schemeClr val="tx2"/>
-                </a:solidFill>
-              </a:rPr>
-              <a:t>Dersom </a:t>
-            </a:r>
-            <a:r>
-              <a:rPr lang="nb-NO" sz="900" dirty="0">
-                <a:solidFill>
-                  <a:schemeClr val="tx2"/>
-                </a:solidFill>
-              </a:rPr>
-              <a:t>kunde behandler faktura, overføres dette som ny status på aktuell faktura</a:t>
-            </a:r>
-          </a:p>
-          <a:p>
-            <a:pPr marL="171450" indent="-171450">
-              <a:spcAft>
-                <a:spcPts val="300"/>
-              </a:spcAft>
-              <a:buFont typeface="Arial" panose="020B0604020202020204" pitchFamily="34" charset="0"/>
-              <a:buChar char="•"/>
-            </a:pPr>
-            <a:r>
-              <a:rPr lang="nb-NO" sz="900" dirty="0">
-                <a:solidFill>
-                  <a:schemeClr val="tx2"/>
-                </a:solidFill>
-              </a:rPr>
-              <a:t>Digipost lagrer behandlingsstatus, for å sikre at samme faktura ikke overføres og behandles flere ganger</a:t>
-            </a:r>
-          </a:p>
-        </p:txBody>
-      </p:sp>
-      <p:sp>
-        <p:nvSpPr>
-          <p:cNvPr id="50" name="Rectangle 49"/>
-          <p:cNvSpPr/>
-          <p:nvPr/>
-        </p:nvSpPr>
-        <p:spPr>
-          <a:xfrm>
-            <a:off x="4889063" y="1481739"/>
-            <a:ext cx="1603878" cy="492369"/>
-          </a:xfrm>
-          <a:prstGeom prst="rect">
-            <a:avLst/>
-          </a:prstGeom>
-          <a:noFill/>
-          <a:ln>
-            <a:noFill/>
-          </a:ln>
-        </p:spPr>
-        <p:style>
-          <a:lnRef idx="2">
-            <a:schemeClr val="accent4"/>
-          </a:lnRef>
-          <a:fillRef idx="1">
-            <a:schemeClr val="lt1"/>
-          </a:fillRef>
-          <a:effectRef idx="0">
-            <a:schemeClr val="accent4"/>
-          </a:effectRef>
-          <a:fontRef idx="minor">
-            <a:schemeClr val="dk1"/>
-          </a:fontRef>
-        </p:style>
-        <p:txBody>
-          <a:bodyPr rtlCol="0" anchor="ctr"/>
-          <a:lstStyle/>
-          <a:p>
-            <a:r>
-              <a:rPr lang="nb-NO" sz="1000" b="1" dirty="0">
-                <a:solidFill>
-                  <a:schemeClr val="tx2"/>
-                </a:solidFill>
-              </a:rPr>
-              <a:t>3</a:t>
-            </a:r>
-            <a:r>
-              <a:rPr lang="nb-NO" sz="1000" b="1" dirty="0" smtClean="0">
-                <a:solidFill>
-                  <a:schemeClr val="tx2"/>
-                </a:solidFill>
-              </a:rPr>
-              <a:t>) Utlisting av antall fakturaer</a:t>
-            </a:r>
-          </a:p>
-        </p:txBody>
-      </p:sp>
-      <p:sp>
-        <p:nvSpPr>
-          <p:cNvPr id="57" name="TextBox 69"/>
-          <p:cNvSpPr txBox="1"/>
-          <p:nvPr/>
-        </p:nvSpPr>
-        <p:spPr>
-          <a:xfrm>
-            <a:off x="4862936" y="4193583"/>
-            <a:ext cx="1526886" cy="2108269"/>
-          </a:xfrm>
-          <a:prstGeom prst="rect">
-            <a:avLst/>
-          </a:prstGeom>
-          <a:noFill/>
-        </p:spPr>
-        <p:txBody>
-          <a:bodyPr wrap="square" rtlCol="0">
-            <a:spAutoFit/>
-          </a:bodyPr>
-          <a:lstStyle/>
-          <a:p>
-            <a:pPr marL="171450" indent="-171450">
-              <a:spcAft>
-                <a:spcPts val="300"/>
-              </a:spcAft>
-              <a:buFont typeface="Arial" panose="020B0604020202020204" pitchFamily="34" charset="0"/>
-              <a:buChar char="•"/>
-            </a:pPr>
-            <a:r>
-              <a:rPr lang="nb-NO" sz="900" dirty="0">
-                <a:solidFill>
-                  <a:schemeClr val="tx2"/>
-                </a:solidFill>
-              </a:rPr>
-              <a:t>Ved innlogging i bank, eller etter </a:t>
-            </a:r>
-            <a:r>
-              <a:rPr lang="nb-NO" sz="900" dirty="0" smtClean="0">
-                <a:solidFill>
-                  <a:schemeClr val="tx2"/>
-                </a:solidFill>
-              </a:rPr>
-              <a:t>avtaleinngåelse, </a:t>
-            </a:r>
-            <a:r>
-              <a:rPr lang="nb-NO" sz="900" dirty="0">
-                <a:solidFill>
-                  <a:schemeClr val="tx2"/>
-                </a:solidFill>
-              </a:rPr>
-              <a:t>sender </a:t>
-            </a:r>
-            <a:r>
-              <a:rPr lang="nb-NO" sz="900" dirty="0" smtClean="0">
-                <a:solidFill>
-                  <a:schemeClr val="tx2"/>
-                </a:solidFill>
-              </a:rPr>
-              <a:t>banken kundens </a:t>
-            </a:r>
-            <a:r>
-              <a:rPr lang="nb-NO" sz="900" dirty="0">
-                <a:solidFill>
-                  <a:schemeClr val="tx2"/>
-                </a:solidFill>
-              </a:rPr>
-              <a:t>FNR til Digipost </a:t>
-            </a:r>
-          </a:p>
-          <a:p>
-            <a:pPr marL="171450" indent="-171450">
-              <a:spcAft>
-                <a:spcPts val="300"/>
-              </a:spcAft>
-              <a:buFont typeface="Arial" panose="020B0604020202020204" pitchFamily="34" charset="0"/>
-              <a:buChar char="•"/>
-            </a:pPr>
-            <a:r>
-              <a:rPr lang="nb-NO" sz="900" dirty="0" smtClean="0">
-                <a:solidFill>
-                  <a:schemeClr val="tx2"/>
-                </a:solidFill>
-              </a:rPr>
-              <a:t>Digipost svarer med antall ubehandlede fakturaer for kunden</a:t>
-            </a:r>
-          </a:p>
-          <a:p>
-            <a:pPr marL="171450" indent="-171450">
-              <a:spcAft>
-                <a:spcPts val="300"/>
-              </a:spcAft>
-              <a:buFont typeface="Arial" panose="020B0604020202020204" pitchFamily="34" charset="0"/>
-              <a:buChar char="•"/>
-            </a:pPr>
-            <a:r>
-              <a:rPr lang="nb-NO" sz="900" dirty="0" smtClean="0">
-                <a:solidFill>
-                  <a:schemeClr val="tx2"/>
-                </a:solidFill>
-              </a:rPr>
-              <a:t>Banken viser kunden en teller av antall ubehandlede fakturaer</a:t>
-            </a:r>
-            <a:endParaRPr lang="nb-NO" sz="900" dirty="0">
-              <a:solidFill>
-                <a:schemeClr val="tx2"/>
-              </a:solidFill>
-            </a:endParaRPr>
-          </a:p>
-        </p:txBody>
-      </p:sp>
-      <p:sp>
-        <p:nvSpPr>
-          <p:cNvPr id="37" name="Rectangle 36"/>
-          <p:cNvSpPr/>
-          <p:nvPr/>
-        </p:nvSpPr>
-        <p:spPr>
-          <a:xfrm>
-            <a:off x="5021430" y="2078267"/>
-            <a:ext cx="1072661" cy="492369"/>
-          </a:xfrm>
-          <a:prstGeom prst="rect">
-            <a:avLst/>
-          </a:prstGeom>
-        </p:spPr>
-        <p:style>
-          <a:lnRef idx="2">
-            <a:schemeClr val="accent4"/>
-          </a:lnRef>
-          <a:fillRef idx="1">
-            <a:schemeClr val="lt1"/>
-          </a:fillRef>
-          <a:effectRef idx="0">
-            <a:schemeClr val="accent4"/>
-          </a:effectRef>
-          <a:fontRef idx="minor">
-            <a:schemeClr val="dk1"/>
-          </a:fontRef>
-        </p:style>
-        <p:txBody>
-          <a:bodyPr rtlCol="0" anchor="ctr"/>
-          <a:lstStyle/>
-          <a:p>
-            <a:pPr algn="ctr"/>
-            <a:r>
-              <a:rPr lang="nb-NO" sz="1000" dirty="0" smtClean="0">
-                <a:solidFill>
-                  <a:schemeClr val="tx2"/>
-                </a:solidFill>
-              </a:rPr>
-              <a:t>Ubehandlede fakturaer</a:t>
-            </a:r>
-          </a:p>
-        </p:txBody>
-      </p:sp>
-      <p:sp>
-        <p:nvSpPr>
-          <p:cNvPr id="41" name="Rectangle 40"/>
-          <p:cNvSpPr/>
-          <p:nvPr/>
-        </p:nvSpPr>
-        <p:spPr>
-          <a:xfrm>
-            <a:off x="5021429" y="3471359"/>
-            <a:ext cx="1072661" cy="492369"/>
-          </a:xfrm>
-          <a:prstGeom prst="rect">
-            <a:avLst/>
-          </a:prstGeom>
-        </p:spPr>
-        <p:style>
-          <a:lnRef idx="2">
-            <a:schemeClr val="accent4"/>
-          </a:lnRef>
-          <a:fillRef idx="1">
-            <a:schemeClr val="lt1"/>
-          </a:fillRef>
-          <a:effectRef idx="0">
-            <a:schemeClr val="accent4"/>
-          </a:effectRef>
-          <a:fontRef idx="minor">
-            <a:schemeClr val="dk1"/>
-          </a:fontRef>
-        </p:style>
-        <p:txBody>
-          <a:bodyPr rtlCol="0" anchor="ctr"/>
-          <a:lstStyle/>
-          <a:p>
-            <a:pPr algn="ctr"/>
-            <a:r>
-              <a:rPr lang="nb-NO" sz="1000" dirty="0">
-                <a:solidFill>
-                  <a:schemeClr val="tx2"/>
-                </a:solidFill>
-              </a:rPr>
-              <a:t>Kundens innlogging i bank</a:t>
+              <a:t>- Antall</a:t>
             </a:r>
           </a:p>
         </p:txBody>
       </p:sp>
       <p:cxnSp>
         <p:nvCxnSpPr>
-          <p:cNvPr id="51" name="Straight Arrow Connector 50"/>
+          <p:cNvPr id="141" name="Straight Arrow Connector 140"/>
           <p:cNvCxnSpPr/>
           <p:nvPr/>
         </p:nvCxnSpPr>
         <p:spPr>
-          <a:xfrm flipH="1">
-            <a:off x="5916472" y="2570637"/>
-            <a:ext cx="1" cy="900722"/>
+          <a:xfrm flipV="1">
+            <a:off x="5654172" y="2570637"/>
+            <a:ext cx="0" cy="900723"/>
           </a:xfrm>
           <a:prstGeom prst="straightConnector1">
             <a:avLst/>
@@ -8254,14 +8310,14 @@
       </p:cxnSp>
       <p:sp>
         <p:nvSpPr>
-          <p:cNvPr id="52" name="Rectangle 51"/>
+          <p:cNvPr id="142" name="Rectangle 141"/>
           <p:cNvSpPr/>
           <p:nvPr/>
         </p:nvSpPr>
         <p:spPr>
           <a:xfrm>
-            <a:off x="5925349" y="2595917"/>
-            <a:ext cx="754377" cy="900722"/>
+            <a:off x="5654171" y="2595917"/>
+            <a:ext cx="1169376" cy="900722"/>
           </a:xfrm>
           <a:prstGeom prst="rect">
             <a:avLst/>
@@ -8295,20 +8351,20 @@
                   <a:schemeClr val="tx2"/>
                 </a:solidFill>
               </a:rPr>
-              <a:t>- Antall</a:t>
+              <a:t>- FNR</a:t>
             </a:r>
           </a:p>
         </p:txBody>
       </p:sp>
       <p:cxnSp>
         <p:nvCxnSpPr>
-          <p:cNvPr id="53" name="Straight Arrow Connector 52"/>
+          <p:cNvPr id="143" name="Straight Arrow Connector 142"/>
           <p:cNvCxnSpPr/>
           <p:nvPr/>
         </p:nvCxnSpPr>
         <p:spPr>
           <a:xfrm flipV="1">
-            <a:off x="5154440" y="2570637"/>
+            <a:off x="2202135" y="2570635"/>
             <a:ext cx="0" cy="900723"/>
           </a:xfrm>
           <a:prstGeom prst="straightConnector1">
@@ -8335,14 +8391,14 @@
       </p:cxnSp>
       <p:sp>
         <p:nvSpPr>
-          <p:cNvPr id="54" name="Rectangle 53"/>
+          <p:cNvPr id="144" name="Rectangle 143"/>
           <p:cNvSpPr/>
           <p:nvPr/>
         </p:nvSpPr>
         <p:spPr>
           <a:xfrm>
-            <a:off x="5154439" y="2595917"/>
-            <a:ext cx="1169376" cy="900722"/>
+            <a:off x="2182267" y="2570636"/>
+            <a:ext cx="549012" cy="900722"/>
           </a:xfrm>
           <a:prstGeom prst="rect">
             <a:avLst/>
@@ -8383,14 +8439,14 @@
       </p:sp>
       <p:cxnSp>
         <p:nvCxnSpPr>
-          <p:cNvPr id="55" name="Straight Arrow Connector 54"/>
+          <p:cNvPr id="145" name="Straight Arrow Connector 144"/>
           <p:cNvCxnSpPr/>
           <p:nvPr/>
         </p:nvCxnSpPr>
         <p:spPr>
-          <a:xfrm flipV="1">
-            <a:off x="1649240" y="2570635"/>
-            <a:ext cx="0" cy="900723"/>
+          <a:xfrm flipH="1">
+            <a:off x="2810523" y="2571621"/>
+            <a:ext cx="1" cy="900722"/>
           </a:xfrm>
           <a:prstGeom prst="straightConnector1">
             <a:avLst/>
@@ -8416,14 +8472,14 @@
       </p:cxnSp>
       <p:sp>
         <p:nvSpPr>
-          <p:cNvPr id="60" name="Rectangle 59"/>
+          <p:cNvPr id="146" name="Rectangle 145"/>
           <p:cNvSpPr/>
           <p:nvPr/>
         </p:nvSpPr>
         <p:spPr>
           <a:xfrm>
-            <a:off x="1629372" y="2570636"/>
-            <a:ext cx="549012" cy="900722"/>
+            <a:off x="2816327" y="2570636"/>
+            <a:ext cx="652902" cy="900722"/>
           </a:xfrm>
           <a:prstGeom prst="rect">
             <a:avLst/>
@@ -8457,20 +8513,20 @@
                   <a:schemeClr val="tx2"/>
                 </a:solidFill>
               </a:rPr>
-              <a:t>- FNR</a:t>
+              <a:t>- Kunde-status</a:t>
             </a:r>
           </a:p>
         </p:txBody>
       </p:sp>
       <p:cxnSp>
         <p:nvCxnSpPr>
-          <p:cNvPr id="61" name="Straight Arrow Connector 60"/>
+          <p:cNvPr id="57" name="Straight Arrow Connector 56"/>
           <p:cNvCxnSpPr/>
           <p:nvPr/>
         </p:nvCxnSpPr>
         <p:spPr>
           <a:xfrm flipH="1">
-            <a:off x="2257628" y="2571621"/>
+            <a:off x="4240136" y="2569368"/>
             <a:ext cx="1" cy="900722"/>
           </a:xfrm>
           <a:prstGeom prst="straightConnector1">
@@ -8495,54 +8551,6 @@
           </a:fontRef>
         </p:style>
       </p:cxnSp>
-      <p:sp>
-        <p:nvSpPr>
-          <p:cNvPr id="62" name="Rectangle 61"/>
-          <p:cNvSpPr/>
-          <p:nvPr/>
-        </p:nvSpPr>
-        <p:spPr>
-          <a:xfrm>
-            <a:off x="2263432" y="2570636"/>
-            <a:ext cx="652902" cy="900722"/>
-          </a:xfrm>
-          <a:prstGeom prst="rect">
-            <a:avLst/>
-          </a:prstGeom>
-          <a:noFill/>
-          <a:ln>
-            <a:noFill/>
-          </a:ln>
-        </p:spPr>
-        <p:style>
-          <a:lnRef idx="2">
-            <a:schemeClr val="accent4"/>
-          </a:lnRef>
-          <a:fillRef idx="1">
-            <a:schemeClr val="lt1"/>
-          </a:fillRef>
-          <a:effectRef idx="0">
-            <a:schemeClr val="accent4"/>
-          </a:effectRef>
-          <a:fontRef idx="minor">
-            <a:schemeClr val="dk1"/>
-          </a:fontRef>
-        </p:style>
-        <p:txBody>
-          <a:bodyPr rtlCol="0" anchor="ctr"/>
-          <a:lstStyle/>
-          <a:p>
-            <a:r>
-              <a:rPr lang="nb-NO" sz="800" dirty="0" smtClean="0">
-                <a:solidFill>
-                  <a:schemeClr val="tx2"/>
-                </a:solidFill>
-              </a:rPr>
-              <a:t>- Kunde-status</a:t>
-            </a:r>
-          </a:p>
-        </p:txBody>
-      </p:sp>
     </p:spTree>
     <p:extLst>
       <p:ext uri="{BB962C8B-B14F-4D97-AF65-F5344CB8AC3E}">
@@ -8582,13 +8590,13 @@
       </p:grpSpPr>
       <p:sp>
         <p:nvSpPr>
-          <p:cNvPr id="21" name="Rectangle 49"/>
+          <p:cNvPr id="4" name="Rectangle 49"/>
           <p:cNvSpPr/>
           <p:nvPr/>
         </p:nvSpPr>
         <p:spPr>
           <a:xfrm>
-            <a:off x="4787273" y="1174388"/>
+            <a:off x="6807464" y="1174388"/>
             <a:ext cx="1603878" cy="492369"/>
           </a:xfrm>
           <a:prstGeom prst="rect">
@@ -8624,7 +8632,7 @@
                   <a:schemeClr val="tx2"/>
                 </a:solidFill>
               </a:rPr>
-              <a:t>6</a:t>
+              <a:t>7</a:t>
             </a:r>
             <a:r>
               <a:rPr lang="nb-NO" sz="1000" b="1" dirty="0" smtClean="0">
@@ -8632,20 +8640,28 @@
                   <a:schemeClr val="tx2"/>
                 </a:solidFill>
               </a:rPr>
-              <a:t>) Administrasjon av avtale</a:t>
+              <a:t>) </a:t>
+            </a:r>
+            <a:r>
+              <a:rPr lang="nb-NO" sz="1000" b="1" dirty="0" smtClean="0">
+                <a:solidFill>
+                  <a:schemeClr val="tx2"/>
+                </a:solidFill>
+              </a:rPr>
+              <a:t>Administrasjon av avtale</a:t>
             </a:r>
           </a:p>
         </p:txBody>
       </p:sp>
       <p:cxnSp>
         <p:nvCxnSpPr>
-          <p:cNvPr id="23" name="Straight Connector 57"/>
+          <p:cNvPr id="5" name="Straight Connector 57"/>
           <p:cNvCxnSpPr/>
           <p:nvPr/>
         </p:nvCxnSpPr>
         <p:spPr>
           <a:xfrm>
-            <a:off x="4822892" y="1285360"/>
+            <a:off x="6843083" y="1285360"/>
             <a:ext cx="0" cy="2739614"/>
           </a:xfrm>
           <a:prstGeom prst="line">
@@ -8678,13 +8694,13 @@
       </p:cxnSp>
       <p:sp>
         <p:nvSpPr>
-          <p:cNvPr id="24" name="TextBox 69"/>
+          <p:cNvPr id="6" name="TextBox 69"/>
           <p:cNvSpPr txBox="1"/>
           <p:nvPr/>
         </p:nvSpPr>
         <p:spPr>
           <a:xfrm>
-            <a:off x="4927972" y="4072521"/>
+            <a:off x="6948163" y="4072521"/>
             <a:ext cx="1526886" cy="507831"/>
           </a:xfrm>
           <a:prstGeom prst="rect">
@@ -8723,13 +8739,13 @@
       </p:sp>
       <p:sp>
         <p:nvSpPr>
-          <p:cNvPr id="25" name="Rectangle 49"/>
+          <p:cNvPr id="7" name="Rectangle 49"/>
           <p:cNvSpPr/>
           <p:nvPr/>
         </p:nvSpPr>
         <p:spPr>
           <a:xfrm>
-            <a:off x="2921045" y="1174388"/>
+            <a:off x="2952947" y="1174388"/>
             <a:ext cx="1603878" cy="492369"/>
           </a:xfrm>
           <a:prstGeom prst="rect">
@@ -8773,20 +8789,28 @@
                   <a:schemeClr val="tx2"/>
                 </a:solidFill>
               </a:rPr>
-              <a:t>) Visning av behandlede fakturaer</a:t>
-            </a:r>
-          </a:p>
-        </p:txBody>
-      </p:sp>
-      <p:sp>
-        <p:nvSpPr>
-          <p:cNvPr id="27" name="TextBox 69"/>
+              <a:t>) </a:t>
+            </a:r>
+            <a:r>
+              <a:rPr lang="nb-NO" sz="1000" b="1" dirty="0" smtClean="0">
+                <a:solidFill>
+                  <a:schemeClr val="tx2"/>
+                </a:solidFill>
+              </a:rPr>
+              <a:t>Visning av behandlede fakturaer</a:t>
+            </a:r>
+          </a:p>
+        </p:txBody>
+      </p:sp>
+      <p:sp>
+        <p:nvSpPr>
+          <p:cNvPr id="8" name="TextBox 69"/>
           <p:cNvSpPr txBox="1"/>
           <p:nvPr/>
         </p:nvSpPr>
         <p:spPr>
           <a:xfrm>
-            <a:off x="3139244" y="4072521"/>
+            <a:off x="3171146" y="4072521"/>
             <a:ext cx="1526886" cy="1554272"/>
           </a:xfrm>
           <a:prstGeom prst="rect">
@@ -8859,13 +8883,13 @@
       </p:sp>
       <p:sp>
         <p:nvSpPr>
-          <p:cNvPr id="38" name="Rectangle 20"/>
+          <p:cNvPr id="9" name="Rectangle 20"/>
           <p:cNvSpPr/>
           <p:nvPr/>
         </p:nvSpPr>
         <p:spPr>
           <a:xfrm>
-            <a:off x="6731310" y="1767921"/>
+            <a:off x="8751501" y="1767921"/>
             <a:ext cx="1072661" cy="492369"/>
           </a:xfrm>
           <a:prstGeom prst="rect">
@@ -8904,13 +8928,13 @@
       </p:sp>
       <p:sp>
         <p:nvSpPr>
-          <p:cNvPr id="39" name="Rectangle 21"/>
+          <p:cNvPr id="10" name="Rectangle 21"/>
           <p:cNvSpPr/>
           <p:nvPr/>
         </p:nvSpPr>
         <p:spPr>
           <a:xfrm>
-            <a:off x="6731310" y="3161013"/>
+            <a:off x="8751501" y="3161013"/>
             <a:ext cx="1072661" cy="492369"/>
           </a:xfrm>
           <a:prstGeom prst="rect">
@@ -8949,13 +8973,13 @@
       </p:sp>
       <p:cxnSp>
         <p:nvCxnSpPr>
-          <p:cNvPr id="40" name="Straight Arrow Connector 34"/>
+          <p:cNvPr id="11" name="Straight Arrow Connector 34"/>
           <p:cNvCxnSpPr/>
           <p:nvPr/>
         </p:nvCxnSpPr>
         <p:spPr>
           <a:xfrm>
-            <a:off x="7258847" y="2261430"/>
+            <a:off x="9279038" y="2261430"/>
             <a:ext cx="0" cy="900723"/>
           </a:xfrm>
           <a:prstGeom prst="straightConnector1">
@@ -8963,7 +8987,7 @@
           </a:prstGeom>
           <a:ln w="12700">
             <a:headEnd type="arrow"/>
-            <a:tailEnd type="arrow"/>
+            <a:tailEnd type="none"/>
           </a:ln>
         </p:spPr>
         <p:style>
@@ -8983,13 +9007,13 @@
       </p:cxnSp>
       <p:sp>
         <p:nvSpPr>
-          <p:cNvPr id="41" name="Rectangle 49"/>
+          <p:cNvPr id="12" name="Rectangle 49"/>
           <p:cNvSpPr/>
           <p:nvPr/>
         </p:nvSpPr>
         <p:spPr>
           <a:xfrm>
-            <a:off x="6454858" y="1174388"/>
+            <a:off x="8475049" y="1174388"/>
             <a:ext cx="1603878" cy="492369"/>
           </a:xfrm>
           <a:prstGeom prst="rect">
@@ -9025,7 +9049,7 @@
                   <a:schemeClr val="tx2"/>
                 </a:solidFill>
               </a:rPr>
-              <a:t>7</a:t>
+              <a:t>8</a:t>
             </a:r>
             <a:r>
               <a:rPr lang="nb-NO" sz="1000" b="1" dirty="0" smtClean="0">
@@ -9033,20 +9057,28 @@
                   <a:schemeClr val="tx2"/>
                 </a:solidFill>
               </a:rPr>
-              <a:t>) Oppsigelse av avtale</a:t>
-            </a:r>
-          </a:p>
-        </p:txBody>
-      </p:sp>
-      <p:sp>
-        <p:nvSpPr>
-          <p:cNvPr id="42" name="Rectangle 59"/>
+              <a:t>) </a:t>
+            </a:r>
+            <a:r>
+              <a:rPr lang="nb-NO" sz="1000" b="1" dirty="0" smtClean="0">
+                <a:solidFill>
+                  <a:schemeClr val="tx2"/>
+                </a:solidFill>
+              </a:rPr>
+              <a:t>Oppsigelse av avtale</a:t>
+            </a:r>
+          </a:p>
+        </p:txBody>
+      </p:sp>
+      <p:sp>
+        <p:nvSpPr>
+          <p:cNvPr id="13" name="Rectangle 59"/>
           <p:cNvSpPr/>
           <p:nvPr/>
         </p:nvSpPr>
         <p:spPr>
           <a:xfrm>
-            <a:off x="7258847" y="2296407"/>
+            <a:off x="9279038" y="2296407"/>
             <a:ext cx="933058" cy="900722"/>
           </a:xfrm>
           <a:prstGeom prst="rect">
@@ -9098,13 +9130,13 @@
       </p:sp>
       <p:cxnSp>
         <p:nvCxnSpPr>
-          <p:cNvPr id="43" name="Straight Connector 57"/>
+          <p:cNvPr id="14" name="Straight Connector 57"/>
           <p:cNvCxnSpPr/>
           <p:nvPr/>
         </p:nvCxnSpPr>
         <p:spPr>
           <a:xfrm>
-            <a:off x="6490477" y="1281115"/>
+            <a:off x="8510668" y="1281115"/>
             <a:ext cx="0" cy="2739614"/>
           </a:xfrm>
           <a:prstGeom prst="line">
@@ -9137,14 +9169,14 @@
       </p:cxnSp>
       <p:sp>
         <p:nvSpPr>
-          <p:cNvPr id="44" name="TextBox 69"/>
+          <p:cNvPr id="15" name="TextBox 69"/>
           <p:cNvSpPr txBox="1"/>
           <p:nvPr/>
         </p:nvSpPr>
         <p:spPr>
           <a:xfrm>
-            <a:off x="6559938" y="4072521"/>
-            <a:ext cx="1526886" cy="1100301"/>
+            <a:off x="8580129" y="4072521"/>
+            <a:ext cx="1526886" cy="1969770"/>
           </a:xfrm>
           <a:prstGeom prst="rect">
             <a:avLst/>
@@ -9187,7 +9219,48 @@
                   <a:schemeClr val="tx2"/>
                 </a:solidFill>
               </a:rPr>
-              <a:t>Ny avtalestatus overføres til den annen part</a:t>
+              <a:t>Ny avtalestatus overføres til </a:t>
+            </a:r>
+            <a:r>
+              <a:rPr lang="nb-NO" sz="900" dirty="0" smtClean="0">
+                <a:solidFill>
+                  <a:schemeClr val="tx2"/>
+                </a:solidFill>
+              </a:rPr>
+              <a:t>Digipost</a:t>
+            </a:r>
+          </a:p>
+          <a:p>
+            <a:pPr marL="171450" indent="-171450">
+              <a:spcAft>
+                <a:spcPts val="300"/>
+              </a:spcAft>
+              <a:buFont typeface="Arial" panose="020B0604020202020204" pitchFamily="34" charset="0"/>
+              <a:buChar char="•"/>
+            </a:pPr>
+            <a:r>
+              <a:rPr lang="nb-NO" sz="900" dirty="0" smtClean="0">
+                <a:solidFill>
+                  <a:schemeClr val="tx2"/>
+                </a:solidFill>
+              </a:rPr>
+              <a:t>Hvis avtalen avsluttes i Digipost vil banken få oppdatert status ved neste uthenting av </a:t>
+            </a:r>
+            <a:r>
+              <a:rPr lang="nb-NO" sz="900" dirty="0" err="1" smtClean="0">
+                <a:solidFill>
+                  <a:schemeClr val="tx2"/>
+                </a:solidFill>
+              </a:rPr>
+              <a:t>avtalestatus</a:t>
+            </a:r>
+            <a:r>
+              <a:rPr lang="nb-NO" sz="900" dirty="0" smtClean="0">
+                <a:solidFill>
+                  <a:schemeClr val="tx2"/>
+                </a:solidFill>
+              </a:rPr>
+              <a:t> (6)</a:t>
             </a:r>
             <a:endParaRPr lang="nb-NO" sz="900" dirty="0">
               <a:solidFill>
@@ -9199,13 +9272,13 @@
       </p:sp>
       <p:cxnSp>
         <p:nvCxnSpPr>
-          <p:cNvPr id="56" name="Straight Arrow Connector 56"/>
+          <p:cNvPr id="16" name="Straight Arrow Connector 56"/>
           <p:cNvCxnSpPr/>
           <p:nvPr/>
         </p:nvCxnSpPr>
         <p:spPr>
           <a:xfrm flipV="1">
-            <a:off x="5655796" y="2261430"/>
+            <a:off x="7675987" y="2261430"/>
             <a:ext cx="0" cy="900723"/>
           </a:xfrm>
           <a:prstGeom prst="straightConnector1">
@@ -9232,13 +9305,13 @@
       </p:cxnSp>
       <p:sp>
         <p:nvSpPr>
-          <p:cNvPr id="57" name="Rectangle 20"/>
+          <p:cNvPr id="17" name="Rectangle 20"/>
           <p:cNvSpPr/>
           <p:nvPr/>
         </p:nvSpPr>
         <p:spPr>
           <a:xfrm>
-            <a:off x="5119465" y="1767921"/>
+            <a:off x="7139656" y="1767921"/>
             <a:ext cx="1072661" cy="492369"/>
           </a:xfrm>
           <a:prstGeom prst="rect">
@@ -9277,13 +9350,13 @@
       </p:sp>
       <p:sp>
         <p:nvSpPr>
-          <p:cNvPr id="58" name="Rectangle 21"/>
+          <p:cNvPr id="18" name="Rectangle 21"/>
           <p:cNvSpPr/>
           <p:nvPr/>
         </p:nvSpPr>
         <p:spPr>
           <a:xfrm>
-            <a:off x="5119465" y="3161013"/>
+            <a:off x="7139656" y="3161013"/>
             <a:ext cx="1072661" cy="492369"/>
           </a:xfrm>
           <a:prstGeom prst="rect">
@@ -9322,13 +9395,13 @@
       </p:sp>
       <p:sp>
         <p:nvSpPr>
-          <p:cNvPr id="45" name="Rectangle 59"/>
+          <p:cNvPr id="19" name="Rectangle 59"/>
           <p:cNvSpPr/>
           <p:nvPr/>
         </p:nvSpPr>
         <p:spPr>
           <a:xfrm>
-            <a:off x="5663188" y="2277266"/>
+            <a:off x="7683379" y="2277266"/>
             <a:ext cx="933058" cy="900722"/>
           </a:xfrm>
           <a:prstGeom prst="rect">
@@ -9380,13 +9453,13 @@
       </p:sp>
       <p:sp>
         <p:nvSpPr>
-          <p:cNvPr id="46" name="Rectangle 50"/>
+          <p:cNvPr id="20" name="Rectangle 50"/>
           <p:cNvSpPr/>
           <p:nvPr/>
         </p:nvSpPr>
         <p:spPr>
           <a:xfrm>
-            <a:off x="3186653" y="1767921"/>
+            <a:off x="3218555" y="1767921"/>
             <a:ext cx="1072661" cy="492369"/>
           </a:xfrm>
           <a:prstGeom prst="rect">
@@ -9441,13 +9514,13 @@
       </p:sp>
       <p:sp>
         <p:nvSpPr>
-          <p:cNvPr id="59" name="Rectangle 51"/>
+          <p:cNvPr id="21" name="Rectangle 51"/>
           <p:cNvSpPr/>
           <p:nvPr/>
         </p:nvSpPr>
         <p:spPr>
           <a:xfrm>
-            <a:off x="3186652" y="3161013"/>
+            <a:off x="3218554" y="3161013"/>
             <a:ext cx="1072661" cy="492369"/>
           </a:xfrm>
           <a:prstGeom prst="rect">
@@ -9491,13 +9564,13 @@
       </p:sp>
       <p:cxnSp>
         <p:nvCxnSpPr>
-          <p:cNvPr id="60" name="Straight Arrow Connector 60"/>
+          <p:cNvPr id="22" name="Straight Arrow Connector 60"/>
           <p:cNvCxnSpPr/>
           <p:nvPr/>
         </p:nvCxnSpPr>
         <p:spPr>
           <a:xfrm flipH="1">
-            <a:off x="4005601" y="2261430"/>
+            <a:off x="4037503" y="2261430"/>
             <a:ext cx="1" cy="900722"/>
           </a:xfrm>
           <a:prstGeom prst="straightConnector1">
@@ -9524,13 +9597,13 @@
       </p:cxnSp>
       <p:sp>
         <p:nvSpPr>
-          <p:cNvPr id="61" name="Rectangle 63"/>
+          <p:cNvPr id="23" name="Rectangle 63"/>
           <p:cNvSpPr/>
           <p:nvPr/>
         </p:nvSpPr>
         <p:spPr>
           <a:xfrm>
-            <a:off x="4023187" y="2277267"/>
+            <a:off x="4055089" y="2277267"/>
             <a:ext cx="1169376" cy="900722"/>
           </a:xfrm>
           <a:prstGeom prst="rect">
@@ -9572,13 +9645,13 @@
       </p:sp>
       <p:cxnSp>
         <p:nvCxnSpPr>
-          <p:cNvPr id="62" name="Straight Arrow Connector 56"/>
+          <p:cNvPr id="24" name="Straight Arrow Connector 56"/>
           <p:cNvCxnSpPr/>
           <p:nvPr/>
         </p:nvCxnSpPr>
         <p:spPr>
           <a:xfrm flipV="1">
-            <a:off x="3314464" y="2261430"/>
+            <a:off x="3346366" y="2261430"/>
             <a:ext cx="0" cy="900723"/>
           </a:xfrm>
           <a:prstGeom prst="straightConnector1">
@@ -9605,13 +9678,13 @@
       </p:cxnSp>
       <p:sp>
         <p:nvSpPr>
-          <p:cNvPr id="63" name="Rectangle 63"/>
+          <p:cNvPr id="25" name="Rectangle 63"/>
           <p:cNvSpPr/>
           <p:nvPr/>
         </p:nvSpPr>
         <p:spPr>
           <a:xfrm>
-            <a:off x="3258089" y="2268558"/>
+            <a:off x="3289991" y="2268558"/>
             <a:ext cx="815294" cy="900722"/>
           </a:xfrm>
           <a:prstGeom prst="rect">
@@ -9653,7 +9726,7 @@
       </p:sp>
       <p:sp>
         <p:nvSpPr>
-          <p:cNvPr id="65" name="Rectangle 64"/>
+          <p:cNvPr id="26" name="Rectangle 25"/>
           <p:cNvSpPr/>
           <p:nvPr/>
         </p:nvSpPr>
@@ -9701,7 +9774,7 @@
       </p:sp>
       <p:sp>
         <p:nvSpPr>
-          <p:cNvPr id="66" name="Rectangle 65"/>
+          <p:cNvPr id="27" name="Rectangle 26"/>
           <p:cNvSpPr/>
           <p:nvPr/>
         </p:nvSpPr>
@@ -9754,7 +9827,7 @@
       </p:sp>
       <p:sp>
         <p:nvSpPr>
-          <p:cNvPr id="67" name="Rectangle 66"/>
+          <p:cNvPr id="28" name="Rectangle 27"/>
           <p:cNvSpPr/>
           <p:nvPr/>
         </p:nvSpPr>
@@ -9801,23 +9874,483 @@
           </a:p>
         </p:txBody>
       </p:sp>
+      <p:sp>
+        <p:nvSpPr>
+          <p:cNvPr id="29" name="Rectangle 28"/>
+          <p:cNvSpPr/>
+          <p:nvPr/>
+        </p:nvSpPr>
+        <p:spPr>
+          <a:xfrm>
+            <a:off x="5202227" y="1706278"/>
+            <a:ext cx="1072661" cy="492369"/>
+          </a:xfrm>
+          <a:prstGeom prst="rect">
+            <a:avLst/>
+          </a:prstGeom>
+        </p:spPr>
+        <p:style>
+          <a:lnRef idx="2">
+            <a:schemeClr val="accent4"/>
+          </a:lnRef>
+          <a:fillRef idx="1">
+            <a:schemeClr val="lt1"/>
+          </a:fillRef>
+          <a:effectRef idx="0">
+            <a:schemeClr val="accent4"/>
+          </a:effectRef>
+          <a:fontRef idx="minor">
+            <a:schemeClr val="dk1"/>
+          </a:fontRef>
+        </p:style>
+        <p:txBody>
+          <a:bodyPr rtlCol="0" anchor="ctr"/>
+          <a:lstStyle/>
+          <a:p>
+            <a:pPr algn="ctr"/>
+            <a:r>
+              <a:rPr lang="nb-NO" sz="1000" dirty="0" smtClean="0">
+                <a:solidFill>
+                  <a:schemeClr val="tx2"/>
+                </a:solidFill>
+              </a:rPr>
+              <a:t>Bekrefte status</a:t>
+            </a:r>
+            <a:endParaRPr lang="nb-NO" sz="1000" dirty="0" smtClean="0">
+              <a:solidFill>
+                <a:schemeClr val="tx2"/>
+              </a:solidFill>
+            </a:endParaRPr>
+          </a:p>
+        </p:txBody>
+      </p:sp>
+      <p:sp>
+        <p:nvSpPr>
+          <p:cNvPr id="30" name="Rectangle 29"/>
+          <p:cNvSpPr/>
+          <p:nvPr/>
+        </p:nvSpPr>
+        <p:spPr>
+          <a:xfrm>
+            <a:off x="5202227" y="3099370"/>
+            <a:ext cx="1072661" cy="492369"/>
+          </a:xfrm>
+          <a:prstGeom prst="rect">
+            <a:avLst/>
+          </a:prstGeom>
+        </p:spPr>
+        <p:style>
+          <a:lnRef idx="2">
+            <a:schemeClr val="accent4"/>
+          </a:lnRef>
+          <a:fillRef idx="1">
+            <a:schemeClr val="lt1"/>
+          </a:fillRef>
+          <a:effectRef idx="0">
+            <a:schemeClr val="accent4"/>
+          </a:effectRef>
+          <a:fontRef idx="minor">
+            <a:schemeClr val="dk1"/>
+          </a:fontRef>
+        </p:style>
+        <p:txBody>
+          <a:bodyPr rtlCol="0" anchor="ctr"/>
+          <a:lstStyle/>
+          <a:p>
+            <a:pPr algn="ctr"/>
+            <a:r>
+              <a:rPr lang="nb-NO" sz="1000" dirty="0" smtClean="0">
+                <a:solidFill>
+                  <a:schemeClr val="tx2"/>
+                </a:solidFill>
+              </a:rPr>
+              <a:t>Hente </a:t>
+            </a:r>
+            <a:r>
+              <a:rPr lang="nb-NO" sz="1000" dirty="0" err="1" smtClean="0">
+                <a:solidFill>
+                  <a:schemeClr val="tx2"/>
+                </a:solidFill>
+              </a:rPr>
+              <a:t>avtalstatus</a:t>
+            </a:r>
+            <a:endParaRPr lang="nb-NO" sz="1000" dirty="0" smtClean="0">
+              <a:solidFill>
+                <a:schemeClr val="tx2"/>
+              </a:solidFill>
+            </a:endParaRPr>
+          </a:p>
+        </p:txBody>
+      </p:sp>
+      <p:sp>
+        <p:nvSpPr>
+          <p:cNvPr id="31" name="Rectangle 30"/>
+          <p:cNvSpPr/>
+          <p:nvPr/>
+        </p:nvSpPr>
+        <p:spPr>
+          <a:xfrm>
+            <a:off x="4944766" y="1117107"/>
+            <a:ext cx="1585618" cy="492369"/>
+          </a:xfrm>
+          <a:prstGeom prst="rect">
+            <a:avLst/>
+          </a:prstGeom>
+          <a:noFill/>
+          <a:ln>
+            <a:noFill/>
+          </a:ln>
+        </p:spPr>
+        <p:style>
+          <a:lnRef idx="2">
+            <a:schemeClr val="accent4"/>
+          </a:lnRef>
+          <a:fillRef idx="1">
+            <a:schemeClr val="lt1"/>
+          </a:fillRef>
+          <a:effectRef idx="0">
+            <a:schemeClr val="accent4"/>
+          </a:effectRef>
+          <a:fontRef idx="minor">
+            <a:schemeClr val="dk1"/>
+          </a:fontRef>
+        </p:style>
+        <p:txBody>
+          <a:bodyPr rtlCol="0" anchor="ctr"/>
+          <a:lstStyle/>
+          <a:p>
+            <a:pPr algn="ctr"/>
+            <a:r>
+              <a:rPr lang="nb-NO" sz="1000" b="1" dirty="0" smtClean="0">
+                <a:solidFill>
+                  <a:schemeClr val="tx2"/>
+                </a:solidFill>
+              </a:rPr>
+              <a:t>6</a:t>
+            </a:r>
+            <a:r>
+              <a:rPr lang="nb-NO" sz="1000" b="1" dirty="0" smtClean="0">
+                <a:solidFill>
+                  <a:schemeClr val="tx2"/>
+                </a:solidFill>
+              </a:rPr>
+              <a:t>) Hente </a:t>
+            </a:r>
+            <a:r>
+              <a:rPr lang="nb-NO" sz="1000" b="1" dirty="0" err="1" smtClean="0">
+                <a:solidFill>
+                  <a:schemeClr val="tx2"/>
+                </a:solidFill>
+              </a:rPr>
+              <a:t>avtalestatus</a:t>
+            </a:r>
+            <a:endParaRPr lang="nb-NO" sz="1000" b="1" dirty="0" smtClean="0">
+              <a:solidFill>
+                <a:schemeClr val="tx2"/>
+              </a:solidFill>
+            </a:endParaRPr>
+          </a:p>
+        </p:txBody>
+      </p:sp>
+      <p:sp>
+        <p:nvSpPr>
+          <p:cNvPr id="32" name="Rectangle 31"/>
+          <p:cNvSpPr/>
+          <p:nvPr/>
+        </p:nvSpPr>
+        <p:spPr>
+          <a:xfrm>
+            <a:off x="5334523" y="2222452"/>
+            <a:ext cx="545207" cy="900722"/>
+          </a:xfrm>
+          <a:prstGeom prst="rect">
+            <a:avLst/>
+          </a:prstGeom>
+          <a:noFill/>
+          <a:ln>
+            <a:noFill/>
+          </a:ln>
+        </p:spPr>
+        <p:style>
+          <a:lnRef idx="2">
+            <a:schemeClr val="accent4"/>
+          </a:lnRef>
+          <a:fillRef idx="1">
+            <a:schemeClr val="lt1"/>
+          </a:fillRef>
+          <a:effectRef idx="0">
+            <a:schemeClr val="accent4"/>
+          </a:effectRef>
+          <a:fontRef idx="minor">
+            <a:schemeClr val="dk1"/>
+          </a:fontRef>
+        </p:style>
+        <p:txBody>
+          <a:bodyPr rtlCol="0" anchor="ctr"/>
+          <a:lstStyle/>
+          <a:p>
+            <a:r>
+              <a:rPr lang="nb-NO" sz="800" smtClean="0">
+                <a:solidFill>
+                  <a:schemeClr val="tx2"/>
+                </a:solidFill>
+              </a:rPr>
+              <a:t>- </a:t>
+            </a:r>
+            <a:r>
+              <a:rPr lang="nb-NO" sz="800" smtClean="0">
+                <a:solidFill>
+                  <a:schemeClr val="tx2"/>
+                </a:solidFill>
+              </a:rPr>
+              <a:t>FNR</a:t>
+            </a:r>
+            <a:endParaRPr lang="nb-NO" sz="800" dirty="0" smtClean="0">
+              <a:solidFill>
+                <a:schemeClr val="tx2"/>
+              </a:solidFill>
+            </a:endParaRPr>
+          </a:p>
+        </p:txBody>
+      </p:sp>
+      <p:cxnSp>
+        <p:nvCxnSpPr>
+          <p:cNvPr id="33" name="Straight Connector 32"/>
+          <p:cNvCxnSpPr/>
+          <p:nvPr/>
+        </p:nvCxnSpPr>
+        <p:spPr>
+          <a:xfrm>
+            <a:off x="4948657" y="1205684"/>
+            <a:ext cx="0" cy="2739614"/>
+          </a:xfrm>
+          <a:prstGeom prst="line">
+            <a:avLst/>
+          </a:prstGeom>
+          <a:ln w="12700">
+            <a:solidFill>
+              <a:schemeClr val="accent5">
+                <a:lumMod val="20000"/>
+                <a:lumOff val="80000"/>
+              </a:schemeClr>
+            </a:solidFill>
+            <a:prstDash val="sysDash"/>
+          </a:ln>
+        </p:spPr>
+        <p:style>
+          <a:lnRef idx="1">
+            <a:schemeClr val="accent5"/>
+          </a:lnRef>
+          <a:fillRef idx="0">
+            <a:schemeClr val="accent5"/>
+          </a:fillRef>
+          <a:effectRef idx="0">
+            <a:schemeClr val="accent5"/>
+          </a:effectRef>
+          <a:fontRef idx="minor">
+            <a:schemeClr val="tx1"/>
+          </a:fontRef>
+        </p:style>
+      </p:cxnSp>
+      <p:sp>
+        <p:nvSpPr>
+          <p:cNvPr id="34" name="TextBox 33"/>
+          <p:cNvSpPr txBox="1"/>
+          <p:nvPr/>
+        </p:nvSpPr>
+        <p:spPr>
+          <a:xfrm>
+            <a:off x="4929525" y="3821594"/>
+            <a:ext cx="1597910" cy="784830"/>
+          </a:xfrm>
+          <a:prstGeom prst="rect">
+            <a:avLst/>
+          </a:prstGeom>
+          <a:noFill/>
+        </p:spPr>
+        <p:txBody>
+          <a:bodyPr wrap="square" rtlCol="0">
+            <a:spAutoFit/>
+          </a:bodyPr>
+          <a:lstStyle/>
+          <a:p>
+            <a:pPr marL="171450" indent="-171450">
+              <a:spcAft>
+                <a:spcPts val="300"/>
+              </a:spcAft>
+              <a:buFont typeface="Arial" panose="020B0604020202020204" pitchFamily="34" charset="0"/>
+              <a:buChar char="•"/>
+            </a:pPr>
+            <a:r>
+              <a:rPr lang="nb-NO" sz="900" dirty="0" smtClean="0">
+                <a:solidFill>
+                  <a:schemeClr val="tx2"/>
+                </a:solidFill>
+              </a:rPr>
+              <a:t>Banken kan hente </a:t>
+            </a:r>
+            <a:r>
+              <a:rPr lang="nb-NO" sz="900" dirty="0" err="1" smtClean="0">
+                <a:solidFill>
+                  <a:schemeClr val="tx2"/>
+                </a:solidFill>
+              </a:rPr>
+              <a:t>avtalestatus</a:t>
+            </a:r>
+            <a:r>
+              <a:rPr lang="nb-NO" sz="900" dirty="0" smtClean="0">
+                <a:solidFill>
+                  <a:schemeClr val="tx2"/>
+                </a:solidFill>
+              </a:rPr>
+              <a:t> for å sjekke at avtalen ikke har blitt trukket tilbake fra Digipost</a:t>
+            </a:r>
+            <a:endParaRPr lang="nb-NO" sz="900" dirty="0" smtClean="0">
+              <a:solidFill>
+                <a:schemeClr val="tx2"/>
+              </a:solidFill>
+            </a:endParaRPr>
+          </a:p>
+        </p:txBody>
+      </p:sp>
+      <p:cxnSp>
+        <p:nvCxnSpPr>
+          <p:cNvPr id="35" name="Straight Arrow Connector 34"/>
+          <p:cNvCxnSpPr/>
+          <p:nvPr/>
+        </p:nvCxnSpPr>
+        <p:spPr>
+          <a:xfrm flipH="1">
+            <a:off x="5383246" y="2198647"/>
+            <a:ext cx="1" cy="900722"/>
+          </a:xfrm>
+          <a:prstGeom prst="straightConnector1">
+            <a:avLst/>
+          </a:prstGeom>
+          <a:ln w="12700">
+            <a:headEnd type="arrow"/>
+            <a:tailEnd type="none"/>
+          </a:ln>
+        </p:spPr>
+        <p:style>
+          <a:lnRef idx="1">
+            <a:schemeClr val="accent5"/>
+          </a:lnRef>
+          <a:fillRef idx="0">
+            <a:schemeClr val="accent5"/>
+          </a:fillRef>
+          <a:effectRef idx="0">
+            <a:schemeClr val="accent5"/>
+          </a:effectRef>
+          <a:fontRef idx="minor">
+            <a:schemeClr val="tx1"/>
+          </a:fontRef>
+        </p:style>
+      </p:cxnSp>
+      <p:cxnSp>
+        <p:nvCxnSpPr>
+          <p:cNvPr id="36" name="Straight Arrow Connector 35"/>
+          <p:cNvCxnSpPr/>
+          <p:nvPr/>
+        </p:nvCxnSpPr>
+        <p:spPr>
+          <a:xfrm flipH="1">
+            <a:off x="6049656" y="2197379"/>
+            <a:ext cx="1" cy="900722"/>
+          </a:xfrm>
+          <a:prstGeom prst="straightConnector1">
+            <a:avLst/>
+          </a:prstGeom>
+          <a:ln w="12700">
+            <a:tailEnd type="arrow"/>
+          </a:ln>
+        </p:spPr>
+        <p:style>
+          <a:lnRef idx="1">
+            <a:schemeClr val="accent5"/>
+          </a:lnRef>
+          <a:fillRef idx="0">
+            <a:schemeClr val="accent5"/>
+          </a:fillRef>
+          <a:effectRef idx="0">
+            <a:schemeClr val="accent5"/>
+          </a:effectRef>
+          <a:fontRef idx="minor">
+            <a:schemeClr val="tx1"/>
+          </a:fontRef>
+        </p:style>
+      </p:cxnSp>
+      <p:sp>
+        <p:nvSpPr>
+          <p:cNvPr id="37" name="Rectangle 36"/>
+          <p:cNvSpPr/>
+          <p:nvPr/>
+        </p:nvSpPr>
+        <p:spPr>
+          <a:xfrm>
+            <a:off x="6048549" y="2196110"/>
+            <a:ext cx="676924" cy="900722"/>
+          </a:xfrm>
+          <a:prstGeom prst="rect">
+            <a:avLst/>
+          </a:prstGeom>
+          <a:noFill/>
+          <a:ln>
+            <a:noFill/>
+          </a:ln>
+        </p:spPr>
+        <p:style>
+          <a:lnRef idx="2">
+            <a:schemeClr val="accent4"/>
+          </a:lnRef>
+          <a:fillRef idx="1">
+            <a:schemeClr val="lt1"/>
+          </a:fillRef>
+          <a:effectRef idx="0">
+            <a:schemeClr val="accent4"/>
+          </a:effectRef>
+          <a:fontRef idx="minor">
+            <a:schemeClr val="dk1"/>
+          </a:fontRef>
+        </p:style>
+        <p:txBody>
+          <a:bodyPr rtlCol="0" anchor="ctr"/>
+          <a:lstStyle/>
+          <a:p>
+            <a:r>
+              <a:rPr lang="nb-NO" sz="800" smtClean="0">
+                <a:solidFill>
+                  <a:schemeClr val="tx2"/>
+                </a:solidFill>
+              </a:rPr>
+              <a:t>- </a:t>
+            </a:r>
+            <a:r>
+              <a:rPr lang="nb-NO" sz="800" smtClean="0">
+                <a:solidFill>
+                  <a:schemeClr val="tx2"/>
+                </a:solidFill>
+              </a:rPr>
+              <a:t>Avtale-status</a:t>
+            </a:r>
+            <a:endParaRPr lang="nb-NO" sz="800" dirty="0" smtClean="0">
+              <a:solidFill>
+                <a:schemeClr val="tx2"/>
+              </a:solidFill>
+            </a:endParaRPr>
+          </a:p>
+        </p:txBody>
+      </p:sp>
     </p:spTree>
     <p:extLst>
       <p:ext uri="{BB962C8B-B14F-4D97-AF65-F5344CB8AC3E}">
-        <p14:creationId xmlns:p14="http://schemas.microsoft.com/office/powerpoint/2010/main" val="639994069"/>
+        <p14:creationId xmlns:p14="http://schemas.microsoft.com/office/powerpoint/2010/main" val="644819582"/>
       </p:ext>
     </p:extLst>
   </p:cSld>
   <p:clrMapOvr>
     <a:masterClrMapping/>
   </p:clrMapOvr>
-  <p:timing>
-    <p:tnLst>
-      <p:par>
-        <p:cTn id="1" dur="indefinite" restart="never" nodeType="tmRoot"/>
-      </p:par>
-    </p:tnLst>
-  </p:timing>
 </p:sld>
 </file>
 
@@ -10284,6 +10817,12 @@
 </file>
 
 <file path=customXml/item1.xml><?xml version="1.0" encoding="utf-8"?>
+<p:properties xmlns:p="http://schemas.microsoft.com/office/2006/metadata/properties" xmlns:xsi="http://www.w3.org/2001/XMLSchema-instance" xmlns:pc="http://schemas.microsoft.com/office/infopath/2007/PartnerControls">
+  <documentManagement/>
+</p:properties>
+</file>
+
+<file path=customXml/item2.xml><?xml version="1.0" encoding="utf-8"?>
 <?mso-contentType ?>
 <FormTemplates xmlns="http://schemas.microsoft.com/sharepoint/v3/contenttype/forms">
   <Display>DocumentLibraryForm</Display>
@@ -10292,7 +10831,7 @@
 </FormTemplates>
 </file>
 
-<file path=customXml/item2.xml><?xml version="1.0" encoding="utf-8"?>
+<file path=customXml/item3.xml><?xml version="1.0" encoding="utf-8"?>
 <ct:contentTypeSchema xmlns:ct="http://schemas.microsoft.com/office/2006/metadata/contentType" xmlns:ma="http://schemas.microsoft.com/office/2006/metadata/properties/metaAttributes" ct:_="" ma:_="" ma:contentTypeName="Dokument" ma:contentTypeID="0x0101004B4D9082DD66B64198C91D1A3B1A18D3" ma:contentTypeVersion="0" ma:contentTypeDescription="Opprett et nytt dokument." ma:contentTypeScope="" ma:versionID="b8447cf1a51e372ca5d1b428ae7d66a3">
   <xsd:schema xmlns:xsd="http://www.w3.org/2001/XMLSchema" xmlns:xs="http://www.w3.org/2001/XMLSchema" xmlns:p="http://schemas.microsoft.com/office/2006/metadata/properties" targetNamespace="http://schemas.microsoft.com/office/2006/metadata/properties" ma:root="true" ma:fieldsID="5eb6cd67344829d3a956a36ab89737e9">
     <xsd:element name="properties">
@@ -10406,13 +10945,22 @@
 </ct:contentTypeSchema>
 </file>
 
-<file path=customXml/item3.xml><?xml version="1.0" encoding="utf-8"?>
-<p:properties xmlns:p="http://schemas.microsoft.com/office/2006/metadata/properties" xmlns:xsi="http://www.w3.org/2001/XMLSchema-instance" xmlns:pc="http://schemas.microsoft.com/office/infopath/2007/PartnerControls">
-  <documentManagement/>
-</p:properties>
+<file path=customXml/itemProps1.xml><?xml version="1.0" encoding="utf-8"?>
+<ds:datastoreItem xmlns:ds="http://schemas.openxmlformats.org/officeDocument/2006/customXml" ds:itemID="{9AFA195F-2306-4BC4-B169-4FF134F932BC}">
+  <ds:schemaRefs>
+    <ds:schemaRef ds:uri="http://purl.org/dc/elements/1.1/"/>
+    <ds:schemaRef ds:uri="http://schemas.openxmlformats.org/package/2006/metadata/core-properties"/>
+    <ds:schemaRef ds:uri="http://purl.org/dc/dcmitype/"/>
+    <ds:schemaRef ds:uri="http://purl.org/dc/terms/"/>
+    <ds:schemaRef ds:uri="http://schemas.microsoft.com/office/infopath/2007/PartnerControls"/>
+    <ds:schemaRef ds:uri="http://schemas.microsoft.com/office/2006/documentManagement/types"/>
+    <ds:schemaRef ds:uri="http://schemas.microsoft.com/office/2006/metadata/properties"/>
+    <ds:schemaRef ds:uri="http://www.w3.org/XML/1998/namespace"/>
+  </ds:schemaRefs>
+</ds:datastoreItem>
 </file>
 
-<file path=customXml/itemProps1.xml><?xml version="1.0" encoding="utf-8"?>
+<file path=customXml/itemProps2.xml><?xml version="1.0" encoding="utf-8"?>
 <ds:datastoreItem xmlns:ds="http://schemas.openxmlformats.org/officeDocument/2006/customXml" ds:itemID="{4B4E3570-6711-4C66-AB68-238B2E6B7703}">
   <ds:schemaRefs>
     <ds:schemaRef ds:uri="http://schemas.microsoft.com/sharepoint/v3/contenttype/forms"/>
@@ -10420,7 +10968,7 @@
 </ds:datastoreItem>
 </file>
 
-<file path=customXml/itemProps2.xml><?xml version="1.0" encoding="utf-8"?>
+<file path=customXml/itemProps3.xml><?xml version="1.0" encoding="utf-8"?>
 <ds:datastoreItem xmlns:ds="http://schemas.openxmlformats.org/officeDocument/2006/customXml" ds:itemID="{5259FE7A-3C72-451A-9F91-5160E6070FE2}">
   <ds:schemaRefs>
     <ds:schemaRef ds:uri="http://schemas.microsoft.com/office/2006/metadata/contentType"/>
@@ -10434,19 +10982,4 @@
     <ds:schemaRef ds:uri="http://schemas.microsoft.com/office/infopath/2007/PartnerControls"/>
   </ds:schemaRefs>
 </ds:datastoreItem>
-</file>
-
-<file path=customXml/itemProps3.xml><?xml version="1.0" encoding="utf-8"?>
-<ds:datastoreItem xmlns:ds="http://schemas.openxmlformats.org/officeDocument/2006/customXml" ds:itemID="{9AFA195F-2306-4BC4-B169-4FF134F932BC}">
-  <ds:schemaRefs>
-    <ds:schemaRef ds:uri="http://purl.org/dc/elements/1.1/"/>
-    <ds:schemaRef ds:uri="http://schemas.openxmlformats.org/package/2006/metadata/core-properties"/>
-    <ds:schemaRef ds:uri="http://purl.org/dc/dcmitype/"/>
-    <ds:schemaRef ds:uri="http://purl.org/dc/terms/"/>
-    <ds:schemaRef ds:uri="http://schemas.microsoft.com/office/infopath/2007/PartnerControls"/>
-    <ds:schemaRef ds:uri="http://schemas.microsoft.com/office/2006/documentManagement/types"/>
-    <ds:schemaRef ds:uri="http://schemas.microsoft.com/office/2006/metadata/properties"/>
-    <ds:schemaRef ds:uri="http://www.w3.org/XML/1998/namespace"/>
-  </ds:schemaRefs>
-</ds:datastoreItem>
 </file>
--- a/tjenestebeskrivelse/betal-fra-nettbank-datautveksling.pptx
+++ b/tjenestebeskrivelse/betal-fra-nettbank-datautveksling.pptx
@@ -6895,29 +6895,8 @@
                   <a:schemeClr val="tx2"/>
                 </a:solidFill>
               </a:rPr>
-              <a:t>4) </a:t>
-            </a:r>
-            <a:r>
-              <a:rPr lang="nb-NO" sz="1000" b="1" dirty="0" smtClean="0">
-                <a:solidFill>
-                  <a:schemeClr val="tx2"/>
-                </a:solidFill>
-              </a:rPr>
-              <a:t>Behandle </a:t>
-            </a:r>
-            <a:r>
-              <a:rPr lang="nb-NO" sz="1000" b="1" dirty="0" smtClean="0">
-                <a:solidFill>
-                  <a:schemeClr val="tx2"/>
-                </a:solidFill>
-              </a:rPr>
-              <a:t>faktura</a:t>
-            </a:r>
-            <a:endParaRPr lang="nb-NO" sz="1000" b="1" dirty="0" smtClean="0">
-              <a:solidFill>
-                <a:schemeClr val="tx2"/>
-              </a:solidFill>
-            </a:endParaRPr>
+              <a:t>4) Behandle faktura</a:t>
+            </a:r>
           </a:p>
         </p:txBody>
       </p:sp>
@@ -7980,15 +7959,7 @@
                   <a:schemeClr val="tx2"/>
                 </a:solidFill>
               </a:rPr>
-              <a:t>) </a:t>
-            </a:r>
-            <a:r>
-              <a:rPr lang="nb-NO" sz="1000" b="1" dirty="0" smtClean="0">
-                <a:solidFill>
-                  <a:schemeClr val="tx2"/>
-                </a:solidFill>
-              </a:rPr>
-              <a:t>Utlisting av antall fakturaer</a:t>
+              <a:t>) Utlisting av antall fakturaer</a:t>
             </a:r>
           </a:p>
         </p:txBody>
@@ -8640,15 +8611,7 @@
                   <a:schemeClr val="tx2"/>
                 </a:solidFill>
               </a:rPr>
-              <a:t>) </a:t>
-            </a:r>
-            <a:r>
-              <a:rPr lang="nb-NO" sz="1000" b="1" dirty="0" smtClean="0">
-                <a:solidFill>
-                  <a:schemeClr val="tx2"/>
-                </a:solidFill>
-              </a:rPr>
-              <a:t>Administrasjon av avtale</a:t>
+              <a:t>) Administrasjon av avtale</a:t>
             </a:r>
           </a:p>
         </p:txBody>
@@ -8789,15 +8752,7 @@
                   <a:schemeClr val="tx2"/>
                 </a:solidFill>
               </a:rPr>
-              <a:t>) </a:t>
-            </a:r>
-            <a:r>
-              <a:rPr lang="nb-NO" sz="1000" b="1" dirty="0" smtClean="0">
-                <a:solidFill>
-                  <a:schemeClr val="tx2"/>
-                </a:solidFill>
-              </a:rPr>
-              <a:t>Visning av behandlede fakturaer</a:t>
+              <a:t>) Visning av behandlede fakturaer</a:t>
             </a:r>
           </a:p>
         </p:txBody>
@@ -9057,15 +9012,7 @@
                   <a:schemeClr val="tx2"/>
                 </a:solidFill>
               </a:rPr>
-              <a:t>) </a:t>
-            </a:r>
-            <a:r>
-              <a:rPr lang="nb-NO" sz="1000" b="1" dirty="0" smtClean="0">
-                <a:solidFill>
-                  <a:schemeClr val="tx2"/>
-                </a:solidFill>
-              </a:rPr>
-              <a:t>Oppsigelse av avtale</a:t>
+              <a:t>) Oppsigelse av avtale</a:t>
             </a:r>
           </a:p>
         </p:txBody>
@@ -9219,15 +9166,7 @@
                   <a:schemeClr val="tx2"/>
                 </a:solidFill>
               </a:rPr>
-              <a:t>Ny avtalestatus overføres til </a:t>
-            </a:r>
-            <a:r>
-              <a:rPr lang="nb-NO" sz="900" dirty="0" smtClean="0">
-                <a:solidFill>
-                  <a:schemeClr val="tx2"/>
-                </a:solidFill>
-              </a:rPr>
-              <a:t>Digipost</a:t>
+              <a:t>Ny avtalestatus overføres til Digipost</a:t>
             </a:r>
           </a:p>
           <a:p>
@@ -9916,11 +9855,6 @@
               </a:rPr>
               <a:t>Bekrefte status</a:t>
             </a:r>
-            <a:endParaRPr lang="nb-NO" sz="1000" dirty="0" smtClean="0">
-              <a:solidFill>
-                <a:schemeClr val="tx2"/>
-              </a:solidFill>
-            </a:endParaRPr>
           </a:p>
         </p:txBody>
       </p:sp>
@@ -10026,15 +9960,7 @@
                   <a:schemeClr val="tx2"/>
                 </a:solidFill>
               </a:rPr>
-              <a:t>6</a:t>
-            </a:r>
-            <a:r>
-              <a:rPr lang="nb-NO" sz="1000" b="1" dirty="0" smtClean="0">
-                <a:solidFill>
-                  <a:schemeClr val="tx2"/>
-                </a:solidFill>
-              </a:rPr>
-              <a:t>) Hente </a:t>
+              <a:t>6) Hente </a:t>
             </a:r>
             <a:r>
               <a:rPr lang="nb-NO" sz="1000" b="1" dirty="0" err="1" smtClean="0">
@@ -10095,15 +10021,7 @@
                   <a:schemeClr val="tx2"/>
                 </a:solidFill>
               </a:rPr>
-              <a:t>- </a:t>
-            </a:r>
-            <a:r>
-              <a:rPr lang="nb-NO" sz="800" smtClean="0">
-                <a:solidFill>
-                  <a:schemeClr val="tx2"/>
-                </a:solidFill>
-              </a:rPr>
-              <a:t>FNR</a:t>
+              <a:t>- FNR</a:t>
             </a:r>
             <a:endParaRPr lang="nb-NO" sz="800" dirty="0" smtClean="0">
               <a:solidFill>
@@ -10160,7 +10078,7 @@
         </p:nvSpPr>
         <p:spPr>
           <a:xfrm>
-            <a:off x="4929525" y="3821594"/>
+            <a:off x="4938620" y="4061191"/>
             <a:ext cx="1597910" cy="784830"/>
           </a:xfrm>
           <a:prstGeom prst="rect">
@@ -10205,11 +10123,6 @@
               </a:rPr>
               <a:t> for å sjekke at avtalen ikke har blitt trukket tilbake fra Digipost</a:t>
             </a:r>
-            <a:endParaRPr lang="nb-NO" sz="900" dirty="0" smtClean="0">
-              <a:solidFill>
-                <a:schemeClr val="tx2"/>
-              </a:solidFill>
-            </a:endParaRPr>
           </a:p>
         </p:txBody>
       </p:sp>
@@ -10323,15 +10236,7 @@
                   <a:schemeClr val="tx2"/>
                 </a:solidFill>
               </a:rPr>
-              <a:t>- </a:t>
-            </a:r>
-            <a:r>
-              <a:rPr lang="nb-NO" sz="800" smtClean="0">
-                <a:solidFill>
-                  <a:schemeClr val="tx2"/>
-                </a:solidFill>
-              </a:rPr>
-              <a:t>Avtale-status</a:t>
+              <a:t>- Avtale-status</a:t>
             </a:r>
             <a:endParaRPr lang="nb-NO" sz="800" dirty="0" smtClean="0">
               <a:solidFill>

--- a/tjenestebeskrivelse/betal-fra-nettbank-datautveksling.pptx
+++ b/tjenestebeskrivelse/betal-fra-nettbank-datautveksling.pptx
@@ -214,7 +214,7 @@
           <a:p>
             <a:fld id="{0084CF28-7206-490D-88DB-D81AE5664365}" type="datetimeFigureOut">
               <a:rPr lang="en-GB" smtClean="0"/>
-              <a:t>24/08/2016</a:t>
+              <a:t>25/08/2016</a:t>
             </a:fld>
             <a:endParaRPr lang="en-GB"/>
           </a:p>
@@ -8504,7 +8504,8 @@
             <a:avLst/>
           </a:prstGeom>
           <a:ln w="12700">
-            <a:tailEnd type="arrow"/>
+            <a:headEnd type="arrow"/>
+            <a:tailEnd type="none"/>
           </a:ln>
         </p:spPr>
         <p:style>

--- a/tjenestebeskrivelse/betal-fra-nettbank-datautveksling.pptx
+++ b/tjenestebeskrivelse/betal-fra-nettbank-datautveksling.pptx
@@ -8943,7 +8943,7 @@
           </a:prstGeom>
           <a:ln w="12700">
             <a:headEnd type="arrow"/>
-            <a:tailEnd type="none"/>
+            <a:tailEnd type="arrow"/>
           </a:ln>
         </p:spPr>
         <p:style>
@@ -9124,7 +9124,7 @@
         <p:spPr>
           <a:xfrm>
             <a:off x="8580129" y="4072521"/>
-            <a:ext cx="1526886" cy="1969770"/>
+            <a:ext cx="1526886" cy="1100301"/>
           </a:xfrm>
           <a:prstGeom prst="rect">
             <a:avLst/>
@@ -9167,42 +9167,17 @@
                   <a:schemeClr val="tx2"/>
                 </a:solidFill>
               </a:rPr>
-              <a:t>Ny avtalestatus overføres til Digipost</a:t>
-            </a:r>
-          </a:p>
-          <a:p>
-            <a:pPr marL="171450" indent="-171450">
-              <a:spcAft>
-                <a:spcPts val="300"/>
-              </a:spcAft>
-              <a:buFont typeface="Arial" panose="020B0604020202020204" pitchFamily="34" charset="0"/>
-              <a:buChar char="•"/>
-            </a:pPr>
+              <a:t>Ny avtalestatus overføres til </a:t>
+            </a:r>
             <a:r>
               <a:rPr lang="nb-NO" sz="900" dirty="0" smtClean="0">
                 <a:solidFill>
                   <a:schemeClr val="tx2"/>
                 </a:solidFill>
               </a:rPr>
-              <a:t>Hvis avtalen avsluttes i Digipost vil banken få oppdatert status ved neste uthenting av </a:t>
-            </a:r>
-            <a:r>
-              <a:rPr lang="nb-NO" sz="900" dirty="0" err="1" smtClean="0">
-                <a:solidFill>
-                  <a:schemeClr val="tx2"/>
-                </a:solidFill>
-              </a:rPr>
-              <a:t>avtalestatus</a:t>
-            </a:r>
-            <a:r>
-              <a:rPr lang="nb-NO" sz="900" dirty="0" smtClean="0">
-                <a:solidFill>
-                  <a:schemeClr val="tx2"/>
-                </a:solidFill>
-              </a:rPr>
-              <a:t> (6)</a:t>
-            </a:r>
-            <a:endParaRPr lang="nb-NO" sz="900" dirty="0">
+              <a:t>den andre parten</a:t>
+            </a:r>
+            <a:endParaRPr lang="nb-NO" sz="900" dirty="0" smtClean="0">
               <a:solidFill>
                 <a:schemeClr val="tx2"/>
               </a:solidFill>
